--- a/2021/slides/03 - Python for (Corpus) Linguists.pptx
+++ b/2021/slides/03 - Python for (Corpus) Linguists.pptx
@@ -23,24 +23,22 @@
     <p:sldId id="289" r:id="rId17"/>
     <p:sldId id="268" r:id="rId18"/>
     <p:sldId id="284" r:id="rId19"/>
-    <p:sldId id="298" r:id="rId20"/>
-    <p:sldId id="269" r:id="rId21"/>
-    <p:sldId id="276" r:id="rId22"/>
-    <p:sldId id="277" r:id="rId23"/>
-    <p:sldId id="280" r:id="rId24"/>
-    <p:sldId id="291" r:id="rId25"/>
-    <p:sldId id="292" r:id="rId26"/>
-    <p:sldId id="270" r:id="rId27"/>
-    <p:sldId id="299" r:id="rId28"/>
-    <p:sldId id="283" r:id="rId29"/>
-    <p:sldId id="271" r:id="rId30"/>
-    <p:sldId id="290" r:id="rId31"/>
-    <p:sldId id="279" r:id="rId32"/>
-    <p:sldId id="272" r:id="rId33"/>
-    <p:sldId id="281" r:id="rId34"/>
-    <p:sldId id="273" r:id="rId35"/>
-    <p:sldId id="278" r:id="rId36"/>
-    <p:sldId id="287" r:id="rId37"/>
+    <p:sldId id="269" r:id="rId20"/>
+    <p:sldId id="276" r:id="rId21"/>
+    <p:sldId id="277" r:id="rId22"/>
+    <p:sldId id="280" r:id="rId23"/>
+    <p:sldId id="291" r:id="rId24"/>
+    <p:sldId id="292" r:id="rId25"/>
+    <p:sldId id="270" r:id="rId26"/>
+    <p:sldId id="283" r:id="rId27"/>
+    <p:sldId id="271" r:id="rId28"/>
+    <p:sldId id="290" r:id="rId29"/>
+    <p:sldId id="279" r:id="rId30"/>
+    <p:sldId id="272" r:id="rId31"/>
+    <p:sldId id="281" r:id="rId32"/>
+    <p:sldId id="273" r:id="rId33"/>
+    <p:sldId id="278" r:id="rId34"/>
+    <p:sldId id="287" r:id="rId35"/>
   </p:sldIdLst>
   <p:sldSz cx="12192000" cy="6858000"/>
   <p:notesSz cx="6858000" cy="9144000"/>
@@ -8751,7 +8749,7 @@
           <a:p>
             <a:fld id="{5B29B2E8-5B77-4225-ACDF-4C38702F37FD}" type="datetimeFigureOut">
               <a:rPr lang="en-US" smtClean="0"/>
-              <a:t>6/11/2021</a:t>
+              <a:t>1/1/2023</a:t>
             </a:fld>
             <a:endParaRPr lang="en-US"/>
           </a:p>
@@ -8805,7 +8803,7 @@
           <a:p>
             <a:fld id="{329F8DA9-280E-46F1-BDB8-E19E1E81402D}" type="slidenum">
               <a:rPr lang="en-US" smtClean="0"/>
-              <a:t>‹#›</a:t>
+              <a:t>‹Nr.›</a:t>
             </a:fld>
             <a:endParaRPr lang="en-US"/>
           </a:p>
@@ -8951,7 +8949,7 @@
           <a:p>
             <a:fld id="{5B29B2E8-5B77-4225-ACDF-4C38702F37FD}" type="datetimeFigureOut">
               <a:rPr lang="en-US" smtClean="0"/>
-              <a:t>6/11/2021</a:t>
+              <a:t>1/1/2023</a:t>
             </a:fld>
             <a:endParaRPr lang="en-US"/>
           </a:p>
@@ -9005,7 +9003,7 @@
           <a:p>
             <a:fld id="{329F8DA9-280E-46F1-BDB8-E19E1E81402D}" type="slidenum">
               <a:rPr lang="en-US" smtClean="0"/>
-              <a:t>‹#›</a:t>
+              <a:t>‹Nr.›</a:t>
             </a:fld>
             <a:endParaRPr lang="en-US"/>
           </a:p>
@@ -9161,7 +9159,7 @@
           <a:p>
             <a:fld id="{5B29B2E8-5B77-4225-ACDF-4C38702F37FD}" type="datetimeFigureOut">
               <a:rPr lang="en-US" smtClean="0"/>
-              <a:t>6/11/2021</a:t>
+              <a:t>1/1/2023</a:t>
             </a:fld>
             <a:endParaRPr lang="en-US"/>
           </a:p>
@@ -9215,7 +9213,7 @@
           <a:p>
             <a:fld id="{329F8DA9-280E-46F1-BDB8-E19E1E81402D}" type="slidenum">
               <a:rPr lang="en-US" smtClean="0"/>
-              <a:t>‹#›</a:t>
+              <a:t>‹Nr.›</a:t>
             </a:fld>
             <a:endParaRPr lang="en-US"/>
           </a:p>
@@ -9361,7 +9359,7 @@
           <a:p>
             <a:fld id="{5B29B2E8-5B77-4225-ACDF-4C38702F37FD}" type="datetimeFigureOut">
               <a:rPr lang="en-US" smtClean="0"/>
-              <a:t>6/11/2021</a:t>
+              <a:t>1/1/2023</a:t>
             </a:fld>
             <a:endParaRPr lang="en-US"/>
           </a:p>
@@ -9415,7 +9413,7 @@
           <a:p>
             <a:fld id="{329F8DA9-280E-46F1-BDB8-E19E1E81402D}" type="slidenum">
               <a:rPr lang="en-US" smtClean="0"/>
-              <a:t>‹#›</a:t>
+              <a:t>‹Nr.›</a:t>
             </a:fld>
             <a:endParaRPr lang="en-US"/>
           </a:p>
@@ -9637,7 +9635,7 @@
           <a:p>
             <a:fld id="{5B29B2E8-5B77-4225-ACDF-4C38702F37FD}" type="datetimeFigureOut">
               <a:rPr lang="en-US" smtClean="0"/>
-              <a:t>6/11/2021</a:t>
+              <a:t>1/1/2023</a:t>
             </a:fld>
             <a:endParaRPr lang="en-US"/>
           </a:p>
@@ -9691,7 +9689,7 @@
           <a:p>
             <a:fld id="{329F8DA9-280E-46F1-BDB8-E19E1E81402D}" type="slidenum">
               <a:rPr lang="en-US" smtClean="0"/>
-              <a:t>‹#›</a:t>
+              <a:t>‹Nr.›</a:t>
             </a:fld>
             <a:endParaRPr lang="en-US"/>
           </a:p>
@@ -9905,7 +9903,7 @@
           <a:p>
             <a:fld id="{5B29B2E8-5B77-4225-ACDF-4C38702F37FD}" type="datetimeFigureOut">
               <a:rPr lang="en-US" smtClean="0"/>
-              <a:t>6/11/2021</a:t>
+              <a:t>1/1/2023</a:t>
             </a:fld>
             <a:endParaRPr lang="en-US"/>
           </a:p>
@@ -9959,7 +9957,7 @@
           <a:p>
             <a:fld id="{329F8DA9-280E-46F1-BDB8-E19E1E81402D}" type="slidenum">
               <a:rPr lang="en-US" smtClean="0"/>
-              <a:t>‹#›</a:t>
+              <a:t>‹Nr.›</a:t>
             </a:fld>
             <a:endParaRPr lang="en-US"/>
           </a:p>
@@ -10320,7 +10318,7 @@
           <a:p>
             <a:fld id="{5B29B2E8-5B77-4225-ACDF-4C38702F37FD}" type="datetimeFigureOut">
               <a:rPr lang="en-US" smtClean="0"/>
-              <a:t>6/11/2021</a:t>
+              <a:t>1/1/2023</a:t>
             </a:fld>
             <a:endParaRPr lang="en-US"/>
           </a:p>
@@ -10374,7 +10372,7 @@
           <a:p>
             <a:fld id="{329F8DA9-280E-46F1-BDB8-E19E1E81402D}" type="slidenum">
               <a:rPr lang="en-US" smtClean="0"/>
-              <a:t>‹#›</a:t>
+              <a:t>‹Nr.›</a:t>
             </a:fld>
             <a:endParaRPr lang="en-US"/>
           </a:p>
@@ -10462,7 +10460,7 @@
           <a:p>
             <a:fld id="{5B29B2E8-5B77-4225-ACDF-4C38702F37FD}" type="datetimeFigureOut">
               <a:rPr lang="en-US" smtClean="0"/>
-              <a:t>6/11/2021</a:t>
+              <a:t>1/1/2023</a:t>
             </a:fld>
             <a:endParaRPr lang="en-US"/>
           </a:p>
@@ -10516,7 +10514,7 @@
           <a:p>
             <a:fld id="{329F8DA9-280E-46F1-BDB8-E19E1E81402D}" type="slidenum">
               <a:rPr lang="en-US" smtClean="0"/>
-              <a:t>‹#›</a:t>
+              <a:t>‹Nr.›</a:t>
             </a:fld>
             <a:endParaRPr lang="en-US"/>
           </a:p>
@@ -10575,7 +10573,7 @@
           <a:p>
             <a:fld id="{5B29B2E8-5B77-4225-ACDF-4C38702F37FD}" type="datetimeFigureOut">
               <a:rPr lang="en-US" smtClean="0"/>
-              <a:t>6/11/2021</a:t>
+              <a:t>1/1/2023</a:t>
             </a:fld>
             <a:endParaRPr lang="en-US"/>
           </a:p>
@@ -10629,7 +10627,7 @@
           <a:p>
             <a:fld id="{329F8DA9-280E-46F1-BDB8-E19E1E81402D}" type="slidenum">
               <a:rPr lang="en-US" smtClean="0"/>
-              <a:t>‹#›</a:t>
+              <a:t>‹Nr.›</a:t>
             </a:fld>
             <a:endParaRPr lang="en-US"/>
           </a:p>
@@ -10888,7 +10886,7 @@
           <a:p>
             <a:fld id="{5B29B2E8-5B77-4225-ACDF-4C38702F37FD}" type="datetimeFigureOut">
               <a:rPr lang="en-US" smtClean="0"/>
-              <a:t>6/11/2021</a:t>
+              <a:t>1/1/2023</a:t>
             </a:fld>
             <a:endParaRPr lang="en-US"/>
           </a:p>
@@ -10942,7 +10940,7 @@
           <a:p>
             <a:fld id="{329F8DA9-280E-46F1-BDB8-E19E1E81402D}" type="slidenum">
               <a:rPr lang="en-US" smtClean="0"/>
-              <a:t>‹#›</a:t>
+              <a:t>‹Nr.›</a:t>
             </a:fld>
             <a:endParaRPr lang="en-US"/>
           </a:p>
@@ -11177,7 +11175,7 @@
           <a:p>
             <a:fld id="{5B29B2E8-5B77-4225-ACDF-4C38702F37FD}" type="datetimeFigureOut">
               <a:rPr lang="en-US" smtClean="0"/>
-              <a:t>6/11/2021</a:t>
+              <a:t>1/1/2023</a:t>
             </a:fld>
             <a:endParaRPr lang="en-US"/>
           </a:p>
@@ -11231,7 +11229,7 @@
           <a:p>
             <a:fld id="{329F8DA9-280E-46F1-BDB8-E19E1E81402D}" type="slidenum">
               <a:rPr lang="en-US" smtClean="0"/>
-              <a:t>‹#›</a:t>
+              <a:t>‹Nr.›</a:t>
             </a:fld>
             <a:endParaRPr lang="en-US"/>
           </a:p>
@@ -11420,7 +11418,7 @@
           <a:p>
             <a:fld id="{5B29B2E8-5B77-4225-ACDF-4C38702F37FD}" type="datetimeFigureOut">
               <a:rPr lang="en-US" smtClean="0"/>
-              <a:t>6/11/2021</a:t>
+              <a:t>1/1/2023</a:t>
             </a:fld>
             <a:endParaRPr lang="en-US"/>
           </a:p>
@@ -11510,7 +11508,7 @@
           <a:p>
             <a:fld id="{329F8DA9-280E-46F1-BDB8-E19E1E81402D}" type="slidenum">
               <a:rPr lang="en-US" smtClean="0"/>
-              <a:t>‹#›</a:t>
+              <a:t>‹Nr.›</a:t>
             </a:fld>
             <a:endParaRPr lang="en-US"/>
           </a:p>
@@ -16893,24 +16891,21 @@
           <a:p>
             <a:r>
               <a:rPr lang="en-US" dirty="0">
-                <a:highlight>
-                  <a:srgbClr val="FFFF00"/>
-                </a:highlight>
-                <a:latin typeface="Open Sans" panose="020B0606030504020204" pitchFamily="34" charset="0"/>
-                <a:ea typeface="Open Sans" panose="020B0606030504020204" pitchFamily="34" charset="0"/>
-                <a:cs typeface="Open Sans" panose="020B0606030504020204" pitchFamily="34" charset="0"/>
-              </a:rPr>
-              <a:t>spaCy Documents</a:t>
+                <a:latin typeface="Open Sans" panose="020B0606030504020204" pitchFamily="34" charset="0"/>
+                <a:ea typeface="Open Sans" panose="020B0606030504020204" pitchFamily="34" charset="0"/>
+                <a:cs typeface="Open Sans" panose="020B0606030504020204" pitchFamily="34" charset="0"/>
+              </a:rPr>
+              <a:t>Exercise 11 – Computing Basic Statistics</a:t>
             </a:r>
           </a:p>
         </p:txBody>
       </p:sp>
       <p:sp>
         <p:nvSpPr>
-          <p:cNvPr id="4" name="TextBox 3">
+          <p:cNvPr id="3" name="Textfeld 2">
             <a:extLst>
               <a:ext uri="{FF2B5EF4-FFF2-40B4-BE49-F238E27FC236}">
-                <a16:creationId xmlns:a16="http://schemas.microsoft.com/office/drawing/2014/main" id="{4544AF6A-DD64-4622-84D3-915443251C91}"/>
+                <a16:creationId xmlns:a16="http://schemas.microsoft.com/office/drawing/2014/main" id="{B3494C74-A5C0-479F-B37C-DD15113C70C4}"/>
               </a:ext>
             </a:extLst>
           </p:cNvPr>
@@ -16919,8 +16914,93 @@
         </p:nvSpPr>
         <p:spPr>
           <a:xfrm>
-            <a:off x="2170771" y="2995961"/>
-            <a:ext cx="4341541" cy="369332"/>
+            <a:off x="838199" y="1690688"/>
+            <a:ext cx="10515600" cy="1161023"/>
+          </a:xfrm>
+          <a:prstGeom prst="rect">
+            <a:avLst/>
+          </a:prstGeom>
+          <a:noFill/>
+          <a:ln w="25400">
+            <a:solidFill>
+              <a:srgbClr val="FF0066"/>
+            </a:solidFill>
+          </a:ln>
+        </p:spPr>
+        <p:txBody>
+          <a:bodyPr wrap="square" rtlCol="0">
+            <a:spAutoFit/>
+          </a:bodyPr>
+          <a:lstStyle/>
+          <a:p>
+            <a:pPr algn="l">
+              <a:lnSpc>
+                <a:spcPct val="150000"/>
+              </a:lnSpc>
+            </a:pPr>
+            <a:r>
+              <a:rPr lang="en-US" sz="1600" dirty="0">
+                <a:latin typeface="Open Sans" panose="020B0606030504020204" pitchFamily="34" charset="0"/>
+                <a:ea typeface="Open Sans" panose="020B0606030504020204" pitchFamily="34" charset="0"/>
+                <a:cs typeface="Open Sans" panose="020B0606030504020204" pitchFamily="34" charset="0"/>
+              </a:rPr>
+              <a:t>Write a script that generates the following statistics for a given search term and a set of text files (a corpus): </a:t>
+            </a:r>
+            <a:endParaRPr lang="en-US" sz="1600" dirty="0">
+              <a:solidFill>
+                <a:srgbClr val="000000"/>
+              </a:solidFill>
+              <a:latin typeface="Open Sans" panose="020B0606030504020204" pitchFamily="34" charset="0"/>
+            </a:endParaRPr>
+          </a:p>
+          <a:p>
+            <a:pPr>
+              <a:lnSpc>
+                <a:spcPct val="150000"/>
+              </a:lnSpc>
+            </a:pPr>
+            <a:r>
+              <a:rPr lang="en-US" sz="1600" dirty="0">
+                <a:solidFill>
+                  <a:srgbClr val="000000"/>
+                </a:solidFill>
+                <a:latin typeface="Open Sans" panose="020B0606030504020204" pitchFamily="34" charset="0"/>
+              </a:rPr>
+              <a:t>The a</a:t>
+            </a:r>
+            <a:r>
+              <a:rPr lang="en-US" sz="1600" b="0" i="0" u="none" strike="noStrike" baseline="0" dirty="0">
+                <a:solidFill>
+                  <a:srgbClr val="000000"/>
+                </a:solidFill>
+                <a:latin typeface="Open Sans" panose="020B0606030504020204" pitchFamily="34" charset="0"/>
+              </a:rPr>
+              <a:t>bsolute and relative frequencies; the mean frequency; the standard deviation. Also try to plot the frequency distribution across files. </a:t>
+            </a:r>
+            <a:endParaRPr lang="en-US" sz="1600" dirty="0">
+              <a:latin typeface="Open Sans" panose="020B0606030504020204" pitchFamily="34" charset="0"/>
+              <a:ea typeface="Open Sans" panose="020B0606030504020204" pitchFamily="34" charset="0"/>
+              <a:cs typeface="Open Sans" panose="020B0606030504020204" pitchFamily="34" charset="0"/>
+            </a:endParaRPr>
+          </a:p>
+        </p:txBody>
+      </p:sp>
+      <p:sp>
+        <p:nvSpPr>
+          <p:cNvPr id="5" name="Textfeld 4">
+            <a:extLst>
+              <a:ext uri="{FF2B5EF4-FFF2-40B4-BE49-F238E27FC236}">
+                <a16:creationId xmlns:a16="http://schemas.microsoft.com/office/drawing/2014/main" id="{B97DC9C7-AE90-4513-BE48-10499335E5EF}"/>
+              </a:ext>
+            </a:extLst>
+          </p:cNvPr>
+          <p:cNvSpPr txBox="1"/>
+          <p:nvPr/>
+        </p:nvSpPr>
+        <p:spPr>
+          <a:xfrm>
+            <a:off x="838199" y="3127203"/>
+            <a:ext cx="10622281" cy="1710020"/>
           </a:xfrm>
           <a:prstGeom prst="rect">
             <a:avLst/>
@@ -16933,9 +17013,149 @@
           </a:bodyPr>
           <a:lstStyle/>
           <a:p>
-            <a:r>
-              <a:rPr lang="en-US" dirty="0"/>
-              <a:t>Also explain spaCy vocabulary</a:t>
+            <a:pPr>
+              <a:lnSpc>
+                <a:spcPct val="150000"/>
+              </a:lnSpc>
+            </a:pPr>
+            <a:r>
+              <a:rPr lang="en-US" b="1" dirty="0">
+                <a:solidFill>
+                  <a:srgbClr val="01B731"/>
+                </a:solidFill>
+                <a:latin typeface="Open Sans" panose="020B0606030504020204" pitchFamily="34" charset="0"/>
+                <a:ea typeface="Open Sans" panose="020B0606030504020204" pitchFamily="34" charset="0"/>
+                <a:cs typeface="Open Sans" panose="020B0606030504020204" pitchFamily="34" charset="0"/>
+              </a:rPr>
+              <a:t>Basic Approach</a:t>
+            </a:r>
+          </a:p>
+          <a:p>
+            <a:pPr>
+              <a:lnSpc>
+                <a:spcPct val="150000"/>
+              </a:lnSpc>
+            </a:pPr>
+            <a:r>
+              <a:rPr lang="en-US" dirty="0">
+                <a:latin typeface="Open Sans" panose="020B0606030504020204" pitchFamily="34" charset="0"/>
+                <a:ea typeface="Open Sans" panose="020B0606030504020204" pitchFamily="34" charset="0"/>
+                <a:cs typeface="Open Sans" panose="020B0606030504020204" pitchFamily="34" charset="0"/>
+              </a:rPr>
+              <a:t>We define two functions for getting the absolute and relative frequencies of a given text. Then we are using a third function to generate frequencies for a number of texts which we will store in a list. Finally, we can use Python’s </a:t>
+            </a:r>
+            <a:r>
+              <a:rPr lang="en-US" dirty="0">
+                <a:latin typeface="Consolas" panose="020B0609020204030204" pitchFamily="49" charset="0"/>
+                <a:ea typeface="Open Sans" panose="020B0606030504020204" pitchFamily="34" charset="0"/>
+                <a:cs typeface="Open Sans" panose="020B0606030504020204" pitchFamily="34" charset="0"/>
+              </a:rPr>
+              <a:t>statistics</a:t>
+            </a:r>
+            <a:r>
+              <a:rPr lang="en-US" dirty="0">
+                <a:latin typeface="Open Sans" panose="020B0606030504020204" pitchFamily="34" charset="0"/>
+                <a:ea typeface="Open Sans" panose="020B0606030504020204" pitchFamily="34" charset="0"/>
+                <a:cs typeface="Open Sans" panose="020B0606030504020204" pitchFamily="34" charset="0"/>
+              </a:rPr>
+              <a:t> functions to get the required statistics.</a:t>
+            </a:r>
+          </a:p>
+        </p:txBody>
+      </p:sp>
+      <p:sp>
+        <p:nvSpPr>
+          <p:cNvPr id="6" name="Textfeld 5">
+            <a:extLst>
+              <a:ext uri="{FF2B5EF4-FFF2-40B4-BE49-F238E27FC236}">
+                <a16:creationId xmlns:a16="http://schemas.microsoft.com/office/drawing/2014/main" id="{85C84F52-B1EC-4541-A4D9-78E3BF53310D}"/>
+              </a:ext>
+            </a:extLst>
+          </p:cNvPr>
+          <p:cNvSpPr txBox="1"/>
+          <p:nvPr/>
+        </p:nvSpPr>
+        <p:spPr>
+          <a:xfrm>
+            <a:off x="838199" y="5000955"/>
+            <a:ext cx="10515600" cy="1294585"/>
+          </a:xfrm>
+          <a:prstGeom prst="rect">
+            <a:avLst/>
+          </a:prstGeom>
+          <a:noFill/>
+        </p:spPr>
+        <p:txBody>
+          <a:bodyPr wrap="square" rtlCol="0">
+            <a:spAutoFit/>
+          </a:bodyPr>
+          <a:lstStyle/>
+          <a:p>
+            <a:pPr>
+              <a:lnSpc>
+                <a:spcPct val="150000"/>
+              </a:lnSpc>
+            </a:pPr>
+            <a:r>
+              <a:rPr lang="en-US" b="1" dirty="0">
+                <a:solidFill>
+                  <a:srgbClr val="01B731"/>
+                </a:solidFill>
+                <a:latin typeface="Open Sans" panose="020B0606030504020204" pitchFamily="34" charset="0"/>
+                <a:ea typeface="Open Sans" panose="020B0606030504020204" pitchFamily="34" charset="0"/>
+                <a:cs typeface="Open Sans" panose="020B0606030504020204" pitchFamily="34" charset="0"/>
+              </a:rPr>
+              <a:t>Pandas DataFrame Approach</a:t>
+            </a:r>
+          </a:p>
+          <a:p>
+            <a:pPr>
+              <a:lnSpc>
+                <a:spcPct val="150000"/>
+              </a:lnSpc>
+              <a:buClr>
+                <a:srgbClr val="FF0066"/>
+              </a:buClr>
+            </a:pPr>
+            <a:r>
+              <a:rPr lang="en-US" dirty="0">
+                <a:latin typeface="Open Sans" panose="020B0606030504020204" pitchFamily="34" charset="0"/>
+                <a:ea typeface="Open Sans" panose="020B0606030504020204" pitchFamily="34" charset="0"/>
+                <a:cs typeface="Open Sans" panose="020B0606030504020204" pitchFamily="34" charset="0"/>
+              </a:rPr>
+              <a:t>After getting the </a:t>
+            </a:r>
+            <a:r>
+              <a:rPr lang="en-US" b="1" dirty="0">
+                <a:latin typeface="Open Sans" panose="020B0606030504020204" pitchFamily="34" charset="0"/>
+                <a:ea typeface="Open Sans" panose="020B0606030504020204" pitchFamily="34" charset="0"/>
+                <a:cs typeface="Open Sans" panose="020B0606030504020204" pitchFamily="34" charset="0"/>
+              </a:rPr>
+              <a:t>vocabulary</a:t>
+            </a:r>
+            <a:r>
+              <a:rPr lang="en-US" dirty="0">
+                <a:latin typeface="Open Sans" panose="020B0606030504020204" pitchFamily="34" charset="0"/>
+                <a:ea typeface="Open Sans" panose="020B0606030504020204" pitchFamily="34" charset="0"/>
+                <a:cs typeface="Open Sans" panose="020B0606030504020204" pitchFamily="34" charset="0"/>
+              </a:rPr>
+              <a:t> of the corpus, we use one of the functions from above to populate two frequency tables. Then we create </a:t>
+            </a:r>
+            <a:r>
+              <a:rPr lang="en-US" i="1" dirty="0">
+                <a:latin typeface="Open Sans" panose="020B0606030504020204" pitchFamily="34" charset="0"/>
+                <a:ea typeface="Open Sans" panose="020B0606030504020204" pitchFamily="34" charset="0"/>
+                <a:cs typeface="Open Sans" panose="020B0606030504020204" pitchFamily="34" charset="0"/>
+              </a:rPr>
+              <a:t>Pandas</a:t>
+            </a:r>
+            <a:r>
+              <a:rPr lang="en-US" dirty="0">
+                <a:latin typeface="Open Sans" panose="020B0606030504020204" pitchFamily="34" charset="0"/>
+                <a:ea typeface="Open Sans" panose="020B0606030504020204" pitchFamily="34" charset="0"/>
+                <a:cs typeface="Open Sans" panose="020B0606030504020204" pitchFamily="34" charset="0"/>
+              </a:rPr>
+              <a:t> DataFrames from these tables.</a:t>
             </a:r>
           </a:p>
         </p:txBody>
@@ -16943,7 +17163,7 @@
     </p:spTree>
     <p:extLst>
       <p:ext uri="{BB962C8B-B14F-4D97-AF65-F5344CB8AC3E}">
-        <p14:creationId xmlns:p14="http://schemas.microsoft.com/office/powerpoint/2010/main" val="1177339447"/>
+        <p14:creationId xmlns:p14="http://schemas.microsoft.com/office/powerpoint/2010/main" val="3138384194"/>
       </p:ext>
     </p:extLst>
   </p:cSld>
@@ -17149,328 +17369,6 @@
 </file>
 
 <file path=ppt/slides/slide20.xml><?xml version="1.0" encoding="utf-8"?>
-<p:sld xmlns:a="http://schemas.openxmlformats.org/drawingml/2006/main" xmlns:r="http://schemas.openxmlformats.org/officeDocument/2006/relationships" xmlns:p="http://schemas.openxmlformats.org/presentationml/2006/main">
-  <p:cSld>
-    <p:spTree>
-      <p:nvGrpSpPr>
-        <p:cNvPr id="1" name=""/>
-        <p:cNvGrpSpPr/>
-        <p:nvPr/>
-      </p:nvGrpSpPr>
-      <p:grpSpPr>
-        <a:xfrm>
-          <a:off x="0" y="0"/>
-          <a:ext cx="0" cy="0"/>
-          <a:chOff x="0" y="0"/>
-          <a:chExt cx="0" cy="0"/>
-        </a:xfrm>
-      </p:grpSpPr>
-      <p:sp>
-        <p:nvSpPr>
-          <p:cNvPr id="2" name="Titel 1">
-            <a:extLst>
-              <a:ext uri="{FF2B5EF4-FFF2-40B4-BE49-F238E27FC236}">
-                <a16:creationId xmlns:a16="http://schemas.microsoft.com/office/drawing/2014/main" id="{248DB162-3A84-41EE-BA83-B24329E9B7B3}"/>
-              </a:ext>
-            </a:extLst>
-          </p:cNvPr>
-          <p:cNvSpPr>
-            <a:spLocks noGrp="1"/>
-          </p:cNvSpPr>
-          <p:nvPr>
-            <p:ph type="title"/>
-          </p:nvPr>
-        </p:nvSpPr>
-        <p:spPr/>
-        <p:txBody>
-          <a:bodyPr/>
-          <a:lstStyle/>
-          <a:p>
-            <a:r>
-              <a:rPr lang="en-US" dirty="0">
-                <a:latin typeface="Open Sans" panose="020B0606030504020204" pitchFamily="34" charset="0"/>
-                <a:ea typeface="Open Sans" panose="020B0606030504020204" pitchFamily="34" charset="0"/>
-                <a:cs typeface="Open Sans" panose="020B0606030504020204" pitchFamily="34" charset="0"/>
-              </a:rPr>
-              <a:t>Exercise 11 – Computing Basic Statistics</a:t>
-            </a:r>
-          </a:p>
-        </p:txBody>
-      </p:sp>
-      <p:sp>
-        <p:nvSpPr>
-          <p:cNvPr id="3" name="Textfeld 2">
-            <a:extLst>
-              <a:ext uri="{FF2B5EF4-FFF2-40B4-BE49-F238E27FC236}">
-                <a16:creationId xmlns:a16="http://schemas.microsoft.com/office/drawing/2014/main" id="{B3494C74-A5C0-479F-B37C-DD15113C70C4}"/>
-              </a:ext>
-            </a:extLst>
-          </p:cNvPr>
-          <p:cNvSpPr txBox="1"/>
-          <p:nvPr/>
-        </p:nvSpPr>
-        <p:spPr>
-          <a:xfrm>
-            <a:off x="838199" y="1690688"/>
-            <a:ext cx="10515600" cy="1161023"/>
-          </a:xfrm>
-          <a:prstGeom prst="rect">
-            <a:avLst/>
-          </a:prstGeom>
-          <a:noFill/>
-          <a:ln w="25400">
-            <a:solidFill>
-              <a:srgbClr val="FF0066"/>
-            </a:solidFill>
-          </a:ln>
-        </p:spPr>
-        <p:txBody>
-          <a:bodyPr wrap="square" rtlCol="0">
-            <a:spAutoFit/>
-          </a:bodyPr>
-          <a:lstStyle/>
-          <a:p>
-            <a:pPr algn="l">
-              <a:lnSpc>
-                <a:spcPct val="150000"/>
-              </a:lnSpc>
-            </a:pPr>
-            <a:r>
-              <a:rPr lang="en-US" sz="1600" dirty="0">
-                <a:latin typeface="Open Sans" panose="020B0606030504020204" pitchFamily="34" charset="0"/>
-                <a:ea typeface="Open Sans" panose="020B0606030504020204" pitchFamily="34" charset="0"/>
-                <a:cs typeface="Open Sans" panose="020B0606030504020204" pitchFamily="34" charset="0"/>
-              </a:rPr>
-              <a:t>Write a script that generates the following statistics for a given search term and a set of text files (a corpus): </a:t>
-            </a:r>
-            <a:endParaRPr lang="en-US" sz="1600" dirty="0">
-              <a:solidFill>
-                <a:srgbClr val="000000"/>
-              </a:solidFill>
-              <a:latin typeface="Open Sans" panose="020B0606030504020204" pitchFamily="34" charset="0"/>
-            </a:endParaRPr>
-          </a:p>
-          <a:p>
-            <a:pPr>
-              <a:lnSpc>
-                <a:spcPct val="150000"/>
-              </a:lnSpc>
-            </a:pPr>
-            <a:r>
-              <a:rPr lang="en-US" sz="1600" dirty="0">
-                <a:solidFill>
-                  <a:srgbClr val="000000"/>
-                </a:solidFill>
-                <a:latin typeface="Open Sans" panose="020B0606030504020204" pitchFamily="34" charset="0"/>
-              </a:rPr>
-              <a:t>The a</a:t>
-            </a:r>
-            <a:r>
-              <a:rPr lang="en-US" sz="1600" b="0" i="0" u="none" strike="noStrike" baseline="0" dirty="0">
-                <a:solidFill>
-                  <a:srgbClr val="000000"/>
-                </a:solidFill>
-                <a:latin typeface="Open Sans" panose="020B0606030504020204" pitchFamily="34" charset="0"/>
-              </a:rPr>
-              <a:t>bsolute and relative frequencies; the mean frequency; the standard deviation. Also try to plot the frequency distribution across files. </a:t>
-            </a:r>
-            <a:endParaRPr lang="en-US" sz="1600" dirty="0">
-              <a:latin typeface="Open Sans" panose="020B0606030504020204" pitchFamily="34" charset="0"/>
-              <a:ea typeface="Open Sans" panose="020B0606030504020204" pitchFamily="34" charset="0"/>
-              <a:cs typeface="Open Sans" panose="020B0606030504020204" pitchFamily="34" charset="0"/>
-            </a:endParaRPr>
-          </a:p>
-        </p:txBody>
-      </p:sp>
-      <p:sp>
-        <p:nvSpPr>
-          <p:cNvPr id="5" name="Textfeld 4">
-            <a:extLst>
-              <a:ext uri="{FF2B5EF4-FFF2-40B4-BE49-F238E27FC236}">
-                <a16:creationId xmlns:a16="http://schemas.microsoft.com/office/drawing/2014/main" id="{B97DC9C7-AE90-4513-BE48-10499335E5EF}"/>
-              </a:ext>
-            </a:extLst>
-          </p:cNvPr>
-          <p:cNvSpPr txBox="1"/>
-          <p:nvPr/>
-        </p:nvSpPr>
-        <p:spPr>
-          <a:xfrm>
-            <a:off x="838199" y="3127203"/>
-            <a:ext cx="10622281" cy="1710020"/>
-          </a:xfrm>
-          <a:prstGeom prst="rect">
-            <a:avLst/>
-          </a:prstGeom>
-          <a:noFill/>
-        </p:spPr>
-        <p:txBody>
-          <a:bodyPr wrap="square" rtlCol="0">
-            <a:spAutoFit/>
-          </a:bodyPr>
-          <a:lstStyle/>
-          <a:p>
-            <a:pPr>
-              <a:lnSpc>
-                <a:spcPct val="150000"/>
-              </a:lnSpc>
-            </a:pPr>
-            <a:r>
-              <a:rPr lang="en-US" b="1" dirty="0">
-                <a:solidFill>
-                  <a:srgbClr val="01B731"/>
-                </a:solidFill>
-                <a:latin typeface="Open Sans" panose="020B0606030504020204" pitchFamily="34" charset="0"/>
-                <a:ea typeface="Open Sans" panose="020B0606030504020204" pitchFamily="34" charset="0"/>
-                <a:cs typeface="Open Sans" panose="020B0606030504020204" pitchFamily="34" charset="0"/>
-              </a:rPr>
-              <a:t>Basic Approach</a:t>
-            </a:r>
-          </a:p>
-          <a:p>
-            <a:pPr>
-              <a:lnSpc>
-                <a:spcPct val="150000"/>
-              </a:lnSpc>
-            </a:pPr>
-            <a:r>
-              <a:rPr lang="en-US" dirty="0">
-                <a:latin typeface="Open Sans" panose="020B0606030504020204" pitchFamily="34" charset="0"/>
-                <a:ea typeface="Open Sans" panose="020B0606030504020204" pitchFamily="34" charset="0"/>
-                <a:cs typeface="Open Sans" panose="020B0606030504020204" pitchFamily="34" charset="0"/>
-              </a:rPr>
-              <a:t>We define two functions for getting the absolute and relative frequencies of a given text. Then we are using a third function to generate frequencies for a number of texts which we will store in a list. Finally, we can use Python’s </a:t>
-            </a:r>
-            <a:r>
-              <a:rPr lang="en-US" dirty="0">
-                <a:latin typeface="Consolas" panose="020B0609020204030204" pitchFamily="49" charset="0"/>
-                <a:ea typeface="Open Sans" panose="020B0606030504020204" pitchFamily="34" charset="0"/>
-                <a:cs typeface="Open Sans" panose="020B0606030504020204" pitchFamily="34" charset="0"/>
-              </a:rPr>
-              <a:t>statistics</a:t>
-            </a:r>
-            <a:r>
-              <a:rPr lang="en-US" dirty="0">
-                <a:latin typeface="Open Sans" panose="020B0606030504020204" pitchFamily="34" charset="0"/>
-                <a:ea typeface="Open Sans" panose="020B0606030504020204" pitchFamily="34" charset="0"/>
-                <a:cs typeface="Open Sans" panose="020B0606030504020204" pitchFamily="34" charset="0"/>
-              </a:rPr>
-              <a:t> functions to get the required statistics.</a:t>
-            </a:r>
-          </a:p>
-        </p:txBody>
-      </p:sp>
-      <p:sp>
-        <p:nvSpPr>
-          <p:cNvPr id="6" name="Textfeld 5">
-            <a:extLst>
-              <a:ext uri="{FF2B5EF4-FFF2-40B4-BE49-F238E27FC236}">
-                <a16:creationId xmlns:a16="http://schemas.microsoft.com/office/drawing/2014/main" id="{85C84F52-B1EC-4541-A4D9-78E3BF53310D}"/>
-              </a:ext>
-            </a:extLst>
-          </p:cNvPr>
-          <p:cNvSpPr txBox="1"/>
-          <p:nvPr/>
-        </p:nvSpPr>
-        <p:spPr>
-          <a:xfrm>
-            <a:off x="838199" y="5000955"/>
-            <a:ext cx="10515600" cy="1294585"/>
-          </a:xfrm>
-          <a:prstGeom prst="rect">
-            <a:avLst/>
-          </a:prstGeom>
-          <a:noFill/>
-        </p:spPr>
-        <p:txBody>
-          <a:bodyPr wrap="square" rtlCol="0">
-            <a:spAutoFit/>
-          </a:bodyPr>
-          <a:lstStyle/>
-          <a:p>
-            <a:pPr>
-              <a:lnSpc>
-                <a:spcPct val="150000"/>
-              </a:lnSpc>
-            </a:pPr>
-            <a:r>
-              <a:rPr lang="en-US" b="1" dirty="0">
-                <a:solidFill>
-                  <a:srgbClr val="01B731"/>
-                </a:solidFill>
-                <a:latin typeface="Open Sans" panose="020B0606030504020204" pitchFamily="34" charset="0"/>
-                <a:ea typeface="Open Sans" panose="020B0606030504020204" pitchFamily="34" charset="0"/>
-                <a:cs typeface="Open Sans" panose="020B0606030504020204" pitchFamily="34" charset="0"/>
-              </a:rPr>
-              <a:t>Pandas DataFrame Approach</a:t>
-            </a:r>
-          </a:p>
-          <a:p>
-            <a:pPr>
-              <a:lnSpc>
-                <a:spcPct val="150000"/>
-              </a:lnSpc>
-              <a:buClr>
-                <a:srgbClr val="FF0066"/>
-              </a:buClr>
-            </a:pPr>
-            <a:r>
-              <a:rPr lang="en-US" dirty="0">
-                <a:latin typeface="Open Sans" panose="020B0606030504020204" pitchFamily="34" charset="0"/>
-                <a:ea typeface="Open Sans" panose="020B0606030504020204" pitchFamily="34" charset="0"/>
-                <a:cs typeface="Open Sans" panose="020B0606030504020204" pitchFamily="34" charset="0"/>
-              </a:rPr>
-              <a:t>After getting the </a:t>
-            </a:r>
-            <a:r>
-              <a:rPr lang="en-US" b="1" dirty="0">
-                <a:latin typeface="Open Sans" panose="020B0606030504020204" pitchFamily="34" charset="0"/>
-                <a:ea typeface="Open Sans" panose="020B0606030504020204" pitchFamily="34" charset="0"/>
-                <a:cs typeface="Open Sans" panose="020B0606030504020204" pitchFamily="34" charset="0"/>
-              </a:rPr>
-              <a:t>vocabulary</a:t>
-            </a:r>
-            <a:r>
-              <a:rPr lang="en-US" dirty="0">
-                <a:latin typeface="Open Sans" panose="020B0606030504020204" pitchFamily="34" charset="0"/>
-                <a:ea typeface="Open Sans" panose="020B0606030504020204" pitchFamily="34" charset="0"/>
-                <a:cs typeface="Open Sans" panose="020B0606030504020204" pitchFamily="34" charset="0"/>
-              </a:rPr>
-              <a:t> of the corpus, we use one of the functions from above to populate two frequency tables. Then we create </a:t>
-            </a:r>
-            <a:r>
-              <a:rPr lang="en-US" i="1" dirty="0">
-                <a:latin typeface="Open Sans" panose="020B0606030504020204" pitchFamily="34" charset="0"/>
-                <a:ea typeface="Open Sans" panose="020B0606030504020204" pitchFamily="34" charset="0"/>
-                <a:cs typeface="Open Sans" panose="020B0606030504020204" pitchFamily="34" charset="0"/>
-              </a:rPr>
-              <a:t>Pandas</a:t>
-            </a:r>
-            <a:r>
-              <a:rPr lang="en-US" dirty="0">
-                <a:latin typeface="Open Sans" panose="020B0606030504020204" pitchFamily="34" charset="0"/>
-                <a:ea typeface="Open Sans" panose="020B0606030504020204" pitchFamily="34" charset="0"/>
-                <a:cs typeface="Open Sans" panose="020B0606030504020204" pitchFamily="34" charset="0"/>
-              </a:rPr>
-              <a:t> DataFrames from these tables.</a:t>
-            </a:r>
-          </a:p>
-        </p:txBody>
-      </p:sp>
-    </p:spTree>
-    <p:extLst>
-      <p:ext uri="{BB962C8B-B14F-4D97-AF65-F5344CB8AC3E}">
-        <p14:creationId xmlns:p14="http://schemas.microsoft.com/office/powerpoint/2010/main" val="3138384194"/>
-      </p:ext>
-    </p:extLst>
-  </p:cSld>
-  <p:clrMapOvr>
-    <a:masterClrMapping/>
-  </p:clrMapOvr>
-</p:sld>
-</file>
-
-<file path=ppt/slides/slide21.xml><?xml version="1.0" encoding="utf-8"?>
 <p:sld xmlns:a="http://schemas.openxmlformats.org/drawingml/2006/main" xmlns:r="http://schemas.openxmlformats.org/officeDocument/2006/relationships" xmlns:p="http://schemas.openxmlformats.org/presentationml/2006/main">
   <p:cSld>
     <p:spTree>
@@ -18035,7 +17933,7 @@
 </p:sld>
 </file>
 
-<file path=ppt/slides/slide22.xml><?xml version="1.0" encoding="utf-8"?>
+<file path=ppt/slides/slide21.xml><?xml version="1.0" encoding="utf-8"?>
 <p:sld xmlns:a="http://schemas.openxmlformats.org/drawingml/2006/main" xmlns:r="http://schemas.openxmlformats.org/officeDocument/2006/relationships" xmlns:p="http://schemas.openxmlformats.org/presentationml/2006/main">
   <p:cSld>
     <p:spTree>
@@ -18439,7 +18337,7 @@
 </p:sld>
 </file>
 
-<file path=ppt/slides/slide23.xml><?xml version="1.0" encoding="utf-8"?>
+<file path=ppt/slides/slide22.xml><?xml version="1.0" encoding="utf-8"?>
 <p:sld xmlns:a="http://schemas.openxmlformats.org/drawingml/2006/main" xmlns:r="http://schemas.openxmlformats.org/officeDocument/2006/relationships" xmlns:p="http://schemas.openxmlformats.org/presentationml/2006/main">
   <p:cSld>
     <p:spTree>
@@ -19735,7 +19633,7 @@
 </p:sld>
 </file>
 
-<file path=ppt/slides/slide24.xml><?xml version="1.0" encoding="utf-8"?>
+<file path=ppt/slides/slide23.xml><?xml version="1.0" encoding="utf-8"?>
 <p:sld xmlns:a="http://schemas.openxmlformats.org/drawingml/2006/main" xmlns:r="http://schemas.openxmlformats.org/officeDocument/2006/relationships" xmlns:p="http://schemas.openxmlformats.org/presentationml/2006/main">
   <p:cSld>
     <p:spTree>
@@ -20628,7 +20526,7 @@
 </p:sld>
 </file>
 
-<file path=ppt/slides/slide25.xml><?xml version="1.0" encoding="utf-8"?>
+<file path=ppt/slides/slide24.xml><?xml version="1.0" encoding="utf-8"?>
 <p:sld xmlns:a="http://schemas.openxmlformats.org/drawingml/2006/main" xmlns:r="http://schemas.openxmlformats.org/officeDocument/2006/relationships" xmlns:p="http://schemas.openxmlformats.org/presentationml/2006/main">
   <p:cSld>
     <p:spTree>
@@ -23106,8 +23004,8 @@
           </p:graphicFrame>
         </mc:Fallback>
       </mc:AlternateContent>
-      <mc:AlternateContent xmlns:mc="http://schemas.openxmlformats.org/markup-compatibility/2006">
-        <mc:Choice xmlns:a14="http://schemas.microsoft.com/office/drawing/2010/main" Requires="a14">
+      <mc:AlternateContent xmlns:mc="http://schemas.openxmlformats.org/markup-compatibility/2006" xmlns:a14="http://schemas.microsoft.com/office/drawing/2010/main">
+        <mc:Choice Requires="a14">
           <p:sp>
             <p:nvSpPr>
               <p:cNvPr id="13" name="Textfeld 14">
@@ -23532,7 +23430,7 @@
             </p:txBody>
           </p:sp>
         </mc:Choice>
-        <mc:Fallback>
+        <mc:Fallback xmlns="">
           <p:sp>
             <p:nvSpPr>
               <p:cNvPr id="13" name="Textfeld 14">
@@ -25703,7 +25601,7 @@
 </p:sld>
 </file>
 
-<file path=ppt/slides/slide26.xml><?xml version="1.0" encoding="utf-8"?>
+<file path=ppt/slides/slide25.xml><?xml version="1.0" encoding="utf-8"?>
 <p:sld xmlns:a="http://schemas.openxmlformats.org/drawingml/2006/main" xmlns:r="http://schemas.openxmlformats.org/officeDocument/2006/relationships" xmlns:p="http://schemas.openxmlformats.org/presentationml/2006/main">
   <p:cSld>
     <p:spTree>
@@ -26031,6 +25929,293 @@
     <p:extLst>
       <p:ext uri="{BB962C8B-B14F-4D97-AF65-F5344CB8AC3E}">
         <p14:creationId xmlns:p14="http://schemas.microsoft.com/office/powerpoint/2010/main" val="3475175571"/>
+      </p:ext>
+    </p:extLst>
+  </p:cSld>
+  <p:clrMapOvr>
+    <a:masterClrMapping/>
+  </p:clrMapOvr>
+</p:sld>
+</file>
+
+<file path=ppt/slides/slide26.xml><?xml version="1.0" encoding="utf-8"?>
+<p:sld xmlns:a="http://schemas.openxmlformats.org/drawingml/2006/main" xmlns:r="http://schemas.openxmlformats.org/officeDocument/2006/relationships" xmlns:p="http://schemas.openxmlformats.org/presentationml/2006/main">
+  <p:cSld>
+    <p:spTree>
+      <p:nvGrpSpPr>
+        <p:cNvPr id="1" name=""/>
+        <p:cNvGrpSpPr/>
+        <p:nvPr/>
+      </p:nvGrpSpPr>
+      <p:grpSpPr>
+        <a:xfrm>
+          <a:off x="0" y="0"/>
+          <a:ext cx="0" cy="0"/>
+          <a:chOff x="0" y="0"/>
+          <a:chExt cx="0" cy="0"/>
+        </a:xfrm>
+      </p:grpSpPr>
+      <p:sp>
+        <p:nvSpPr>
+          <p:cNvPr id="2" name="Titel 1">
+            <a:extLst>
+              <a:ext uri="{FF2B5EF4-FFF2-40B4-BE49-F238E27FC236}">
+                <a16:creationId xmlns:a16="http://schemas.microsoft.com/office/drawing/2014/main" id="{248DB162-3A84-41EE-BA83-B24329E9B7B3}"/>
+              </a:ext>
+            </a:extLst>
+          </p:cNvPr>
+          <p:cNvSpPr>
+            <a:spLocks noGrp="1"/>
+          </p:cNvSpPr>
+          <p:nvPr>
+            <p:ph type="title"/>
+          </p:nvPr>
+        </p:nvSpPr>
+        <p:spPr/>
+        <p:txBody>
+          <a:bodyPr/>
+          <a:lstStyle/>
+          <a:p>
+            <a:r>
+              <a:rPr lang="en-US" dirty="0">
+                <a:latin typeface="Open Sans" panose="020B0606030504020204" pitchFamily="34" charset="0"/>
+                <a:ea typeface="Open Sans" panose="020B0606030504020204" pitchFamily="34" charset="0"/>
+                <a:cs typeface="Open Sans" panose="020B0606030504020204" pitchFamily="34" charset="0"/>
+              </a:rPr>
+              <a:t>Exercise 14 – spaCy Tagging</a:t>
+            </a:r>
+          </a:p>
+        </p:txBody>
+      </p:sp>
+      <p:sp>
+        <p:nvSpPr>
+          <p:cNvPr id="3" name="Textfeld 2">
+            <a:extLst>
+              <a:ext uri="{FF2B5EF4-FFF2-40B4-BE49-F238E27FC236}">
+                <a16:creationId xmlns:a16="http://schemas.microsoft.com/office/drawing/2014/main" id="{7A9D5F28-7624-4BA5-98AA-7AFD9C461094}"/>
+              </a:ext>
+            </a:extLst>
+          </p:cNvPr>
+          <p:cNvSpPr txBox="1"/>
+          <p:nvPr/>
+        </p:nvSpPr>
+        <p:spPr>
+          <a:xfrm>
+            <a:off x="838199" y="1690688"/>
+            <a:ext cx="10515600" cy="422360"/>
+          </a:xfrm>
+          <a:prstGeom prst="rect">
+            <a:avLst/>
+          </a:prstGeom>
+          <a:noFill/>
+          <a:ln w="25400">
+            <a:solidFill>
+              <a:srgbClr val="FF0066"/>
+            </a:solidFill>
+          </a:ln>
+        </p:spPr>
+        <p:txBody>
+          <a:bodyPr wrap="square" rtlCol="0">
+            <a:spAutoFit/>
+          </a:bodyPr>
+          <a:lstStyle/>
+          <a:p>
+            <a:pPr>
+              <a:lnSpc>
+                <a:spcPct val="150000"/>
+              </a:lnSpc>
+            </a:pPr>
+            <a:r>
+              <a:rPr lang="en-US" sz="1600" dirty="0">
+                <a:latin typeface="Open Sans" panose="020B0606030504020204" pitchFamily="34" charset="0"/>
+                <a:ea typeface="Open Sans" panose="020B0606030504020204" pitchFamily="34" charset="0"/>
+                <a:cs typeface="Open Sans" panose="020B0606030504020204" pitchFamily="34" charset="0"/>
+              </a:rPr>
+              <a:t>Use spaCy to automatically tag/annotate a text file of your choice for PoS, NERs, and Universal Dependencies.</a:t>
+            </a:r>
+          </a:p>
+        </p:txBody>
+      </p:sp>
+      <p:sp>
+        <p:nvSpPr>
+          <p:cNvPr id="6" name="Textfeld 5">
+            <a:extLst>
+              <a:ext uri="{FF2B5EF4-FFF2-40B4-BE49-F238E27FC236}">
+                <a16:creationId xmlns:a16="http://schemas.microsoft.com/office/drawing/2014/main" id="{A59EF70E-07FB-4E9A-BA3C-4AB15FF92603}"/>
+              </a:ext>
+            </a:extLst>
+          </p:cNvPr>
+          <p:cNvSpPr txBox="1"/>
+          <p:nvPr/>
+        </p:nvSpPr>
+        <p:spPr>
+          <a:xfrm>
+            <a:off x="838199" y="2549913"/>
+            <a:ext cx="9667241" cy="2541080"/>
+          </a:xfrm>
+          <a:prstGeom prst="rect">
+            <a:avLst/>
+          </a:prstGeom>
+          <a:noFill/>
+        </p:spPr>
+        <p:txBody>
+          <a:bodyPr wrap="square" rtlCol="0">
+            <a:spAutoFit/>
+          </a:bodyPr>
+          <a:lstStyle/>
+          <a:p>
+            <a:pPr>
+              <a:lnSpc>
+                <a:spcPct val="150000"/>
+              </a:lnSpc>
+              <a:buClr>
+                <a:srgbClr val="FF0066"/>
+              </a:buClr>
+            </a:pPr>
+            <a:r>
+              <a:rPr lang="en-US" dirty="0">
+                <a:latin typeface="Open Sans" panose="020B0606030504020204" pitchFamily="34" charset="0"/>
+                <a:ea typeface="Open Sans" panose="020B0606030504020204" pitchFamily="34" charset="0"/>
+                <a:cs typeface="Open Sans" panose="020B0606030504020204" pitchFamily="34" charset="0"/>
+              </a:rPr>
+              <a:t>Here we are using </a:t>
+            </a:r>
+            <a:r>
+              <a:rPr lang="en-US" i="1" dirty="0">
+                <a:latin typeface="Open Sans" panose="020B0606030504020204" pitchFamily="34" charset="0"/>
+                <a:ea typeface="Open Sans" panose="020B0606030504020204" pitchFamily="34" charset="0"/>
+                <a:cs typeface="Open Sans" panose="020B0606030504020204" pitchFamily="34" charset="0"/>
+              </a:rPr>
+              <a:t>spaCy</a:t>
+            </a:r>
+            <a:r>
+              <a:rPr lang="en-US" dirty="0">
+                <a:latin typeface="Open Sans" panose="020B0606030504020204" pitchFamily="34" charset="0"/>
+                <a:ea typeface="Open Sans" panose="020B0606030504020204" pitchFamily="34" charset="0"/>
+                <a:cs typeface="Open Sans" panose="020B0606030504020204" pitchFamily="34" charset="0"/>
+              </a:rPr>
+              <a:t> and a small </a:t>
+            </a:r>
+            <a:r>
+              <a:rPr lang="en-US" b="1" dirty="0">
+                <a:latin typeface="Open Sans" panose="020B0606030504020204" pitchFamily="34" charset="0"/>
+                <a:ea typeface="Open Sans" panose="020B0606030504020204" pitchFamily="34" charset="0"/>
+                <a:cs typeface="Open Sans" panose="020B0606030504020204" pitchFamily="34" charset="0"/>
+              </a:rPr>
+              <a:t>language model</a:t>
+            </a:r>
+            <a:r>
+              <a:rPr lang="en-US" dirty="0">
+                <a:latin typeface="Open Sans" panose="020B0606030504020204" pitchFamily="34" charset="0"/>
+                <a:ea typeface="Open Sans" panose="020B0606030504020204" pitchFamily="34" charset="0"/>
+                <a:cs typeface="Open Sans" panose="020B0606030504020204" pitchFamily="34" charset="0"/>
+              </a:rPr>
+              <a:t> (</a:t>
+            </a:r>
+            <a:r>
+              <a:rPr lang="en-US" i="1" dirty="0">
+                <a:latin typeface="Open Sans" panose="020B0606030504020204" pitchFamily="34" charset="0"/>
+                <a:ea typeface="Open Sans" panose="020B0606030504020204" pitchFamily="34" charset="0"/>
+                <a:cs typeface="Open Sans" panose="020B0606030504020204" pitchFamily="34" charset="0"/>
+              </a:rPr>
+              <a:t>en_core_web_sm</a:t>
+            </a:r>
+            <a:r>
+              <a:rPr lang="en-US" dirty="0">
+                <a:latin typeface="Open Sans" panose="020B0606030504020204" pitchFamily="34" charset="0"/>
+                <a:ea typeface="Open Sans" panose="020B0606030504020204" pitchFamily="34" charset="0"/>
+                <a:cs typeface="Open Sans" panose="020B0606030504020204" pitchFamily="34" charset="0"/>
+              </a:rPr>
+              <a:t>) to tag a given text. After creating a </a:t>
+            </a:r>
+            <a:r>
+              <a:rPr lang="en-US" i="1" dirty="0">
+                <a:latin typeface="Open Sans" panose="020B0606030504020204" pitchFamily="34" charset="0"/>
+                <a:ea typeface="Open Sans" panose="020B0606030504020204" pitchFamily="34" charset="0"/>
+                <a:cs typeface="Open Sans" panose="020B0606030504020204" pitchFamily="34" charset="0"/>
+              </a:rPr>
+              <a:t>spaCy</a:t>
+            </a:r>
+            <a:r>
+              <a:rPr lang="en-US" dirty="0">
+                <a:latin typeface="Open Sans" panose="020B0606030504020204" pitchFamily="34" charset="0"/>
+                <a:ea typeface="Open Sans" panose="020B0606030504020204" pitchFamily="34" charset="0"/>
+                <a:cs typeface="Open Sans" panose="020B0606030504020204" pitchFamily="34" charset="0"/>
+              </a:rPr>
+              <a:t> document – using the model – we can loop over the tokens (and entities) to access their tags.</a:t>
+            </a:r>
+          </a:p>
+          <a:p>
+            <a:pPr>
+              <a:lnSpc>
+                <a:spcPct val="150000"/>
+              </a:lnSpc>
+              <a:buClr>
+                <a:srgbClr val="FF0066"/>
+              </a:buClr>
+            </a:pPr>
+            <a:endParaRPr lang="en-US" dirty="0">
+              <a:latin typeface="Open Sans" panose="020B0606030504020204" pitchFamily="34" charset="0"/>
+              <a:ea typeface="Open Sans" panose="020B0606030504020204" pitchFamily="34" charset="0"/>
+              <a:cs typeface="Open Sans" panose="020B0606030504020204" pitchFamily="34" charset="0"/>
+            </a:endParaRPr>
+          </a:p>
+          <a:p>
+            <a:pPr>
+              <a:lnSpc>
+                <a:spcPct val="150000"/>
+              </a:lnSpc>
+              <a:buClr>
+                <a:srgbClr val="FF0066"/>
+              </a:buClr>
+            </a:pPr>
+            <a:r>
+              <a:rPr lang="en-US" dirty="0">
+                <a:latin typeface="Open Sans" panose="020B0606030504020204" pitchFamily="34" charset="0"/>
+                <a:ea typeface="Open Sans" panose="020B0606030504020204" pitchFamily="34" charset="0"/>
+                <a:cs typeface="Open Sans" panose="020B0606030504020204" pitchFamily="34" charset="0"/>
+              </a:rPr>
+              <a:t>Using </a:t>
+            </a:r>
+            <a:r>
+              <a:rPr lang="en-US" i="1" dirty="0">
+                <a:latin typeface="Open Sans" panose="020B0606030504020204" pitchFamily="34" charset="0"/>
+                <a:ea typeface="Open Sans" panose="020B0606030504020204" pitchFamily="34" charset="0"/>
+                <a:cs typeface="Open Sans" panose="020B0606030504020204" pitchFamily="34" charset="0"/>
+              </a:rPr>
+              <a:t>displaCy</a:t>
+            </a:r>
+            <a:r>
+              <a:rPr lang="en-US" dirty="0">
+                <a:latin typeface="Open Sans" panose="020B0606030504020204" pitchFamily="34" charset="0"/>
+                <a:ea typeface="Open Sans" panose="020B0606030504020204" pitchFamily="34" charset="0"/>
+                <a:cs typeface="Open Sans" panose="020B0606030504020204" pitchFamily="34" charset="0"/>
+              </a:rPr>
+              <a:t>, </a:t>
+            </a:r>
+            <a:r>
+              <a:rPr lang="en-US" i="1" dirty="0">
+                <a:latin typeface="Open Sans" panose="020B0606030504020204" pitchFamily="34" charset="0"/>
+                <a:ea typeface="Open Sans" panose="020B0606030504020204" pitchFamily="34" charset="0"/>
+                <a:cs typeface="Open Sans" panose="020B0606030504020204" pitchFamily="34" charset="0"/>
+              </a:rPr>
+              <a:t>spaCy’s</a:t>
+            </a:r>
+            <a:r>
+              <a:rPr lang="en-US" dirty="0">
+                <a:latin typeface="Open Sans" panose="020B0606030504020204" pitchFamily="34" charset="0"/>
+                <a:ea typeface="Open Sans" panose="020B0606030504020204" pitchFamily="34" charset="0"/>
+                <a:cs typeface="Open Sans" panose="020B0606030504020204" pitchFamily="34" charset="0"/>
+              </a:rPr>
+              <a:t> visualizer library, we can also generate graphs for the dependencies. </a:t>
+            </a:r>
+          </a:p>
+        </p:txBody>
+      </p:sp>
+    </p:spTree>
+    <p:extLst>
+      <p:ext uri="{BB962C8B-B14F-4D97-AF65-F5344CB8AC3E}">
+        <p14:creationId xmlns:p14="http://schemas.microsoft.com/office/powerpoint/2010/main" val="4055829021"/>
       </p:ext>
     </p:extLst>
   </p:cSld>
@@ -26075,365 +26260,6 @@
         </p:nvSpPr>
         <p:spPr/>
         <p:txBody>
-          <a:bodyPr>
-            <a:normAutofit/>
-          </a:bodyPr>
-          <a:lstStyle/>
-          <a:p>
-            <a:r>
-              <a:rPr lang="en-US" dirty="0">
-                <a:highlight>
-                  <a:srgbClr val="FFFF00"/>
-                </a:highlight>
-                <a:latin typeface="Open Sans" panose="020B0606030504020204" pitchFamily="34" charset="0"/>
-                <a:ea typeface="Open Sans" panose="020B0606030504020204" pitchFamily="34" charset="0"/>
-                <a:cs typeface="Open Sans" panose="020B0606030504020204" pitchFamily="34" charset="0"/>
-              </a:rPr>
-              <a:t>WordNet and Synsets</a:t>
-            </a:r>
-            <a:endParaRPr lang="en-US" dirty="0">
-              <a:latin typeface="Open Sans" panose="020B0606030504020204" pitchFamily="34" charset="0"/>
-              <a:ea typeface="Open Sans" panose="020B0606030504020204" pitchFamily="34" charset="0"/>
-              <a:cs typeface="Open Sans" panose="020B0606030504020204" pitchFamily="34" charset="0"/>
-            </a:endParaRPr>
-          </a:p>
-        </p:txBody>
-      </p:sp>
-    </p:spTree>
-    <p:extLst>
-      <p:ext uri="{BB962C8B-B14F-4D97-AF65-F5344CB8AC3E}">
-        <p14:creationId xmlns:p14="http://schemas.microsoft.com/office/powerpoint/2010/main" val="1601654018"/>
-      </p:ext>
-    </p:extLst>
-  </p:cSld>
-  <p:clrMapOvr>
-    <a:masterClrMapping/>
-  </p:clrMapOvr>
-</p:sld>
-</file>
-
-<file path=ppt/slides/slide28.xml><?xml version="1.0" encoding="utf-8"?>
-<p:sld xmlns:a="http://schemas.openxmlformats.org/drawingml/2006/main" xmlns:r="http://schemas.openxmlformats.org/officeDocument/2006/relationships" xmlns:p="http://schemas.openxmlformats.org/presentationml/2006/main">
-  <p:cSld>
-    <p:spTree>
-      <p:nvGrpSpPr>
-        <p:cNvPr id="1" name=""/>
-        <p:cNvGrpSpPr/>
-        <p:nvPr/>
-      </p:nvGrpSpPr>
-      <p:grpSpPr>
-        <a:xfrm>
-          <a:off x="0" y="0"/>
-          <a:ext cx="0" cy="0"/>
-          <a:chOff x="0" y="0"/>
-          <a:chExt cx="0" cy="0"/>
-        </a:xfrm>
-      </p:grpSpPr>
-      <p:sp>
-        <p:nvSpPr>
-          <p:cNvPr id="2" name="Titel 1">
-            <a:extLst>
-              <a:ext uri="{FF2B5EF4-FFF2-40B4-BE49-F238E27FC236}">
-                <a16:creationId xmlns:a16="http://schemas.microsoft.com/office/drawing/2014/main" id="{248DB162-3A84-41EE-BA83-B24329E9B7B3}"/>
-              </a:ext>
-            </a:extLst>
-          </p:cNvPr>
-          <p:cNvSpPr>
-            <a:spLocks noGrp="1"/>
-          </p:cNvSpPr>
-          <p:nvPr>
-            <p:ph type="title"/>
-          </p:nvPr>
-        </p:nvSpPr>
-        <p:spPr/>
-        <p:txBody>
-          <a:bodyPr/>
-          <a:lstStyle/>
-          <a:p>
-            <a:r>
-              <a:rPr lang="en-US" dirty="0">
-                <a:latin typeface="Open Sans" panose="020B0606030504020204" pitchFamily="34" charset="0"/>
-                <a:ea typeface="Open Sans" panose="020B0606030504020204" pitchFamily="34" charset="0"/>
-                <a:cs typeface="Open Sans" panose="020B0606030504020204" pitchFamily="34" charset="0"/>
-              </a:rPr>
-              <a:t>Exercise 14 – spaCy Tagging</a:t>
-            </a:r>
-          </a:p>
-        </p:txBody>
-      </p:sp>
-      <p:sp>
-        <p:nvSpPr>
-          <p:cNvPr id="3" name="Textfeld 2">
-            <a:extLst>
-              <a:ext uri="{FF2B5EF4-FFF2-40B4-BE49-F238E27FC236}">
-                <a16:creationId xmlns:a16="http://schemas.microsoft.com/office/drawing/2014/main" id="{7A9D5F28-7624-4BA5-98AA-7AFD9C461094}"/>
-              </a:ext>
-            </a:extLst>
-          </p:cNvPr>
-          <p:cNvSpPr txBox="1"/>
-          <p:nvPr/>
-        </p:nvSpPr>
-        <p:spPr>
-          <a:xfrm>
-            <a:off x="838199" y="1690688"/>
-            <a:ext cx="10515600" cy="422360"/>
-          </a:xfrm>
-          <a:prstGeom prst="rect">
-            <a:avLst/>
-          </a:prstGeom>
-          <a:noFill/>
-          <a:ln w="25400">
-            <a:solidFill>
-              <a:srgbClr val="FF0066"/>
-            </a:solidFill>
-          </a:ln>
-        </p:spPr>
-        <p:txBody>
-          <a:bodyPr wrap="square" rtlCol="0">
-            <a:spAutoFit/>
-          </a:bodyPr>
-          <a:lstStyle/>
-          <a:p>
-            <a:pPr>
-              <a:lnSpc>
-                <a:spcPct val="150000"/>
-              </a:lnSpc>
-            </a:pPr>
-            <a:r>
-              <a:rPr lang="en-US" sz="1600" dirty="0">
-                <a:latin typeface="Open Sans" panose="020B0606030504020204" pitchFamily="34" charset="0"/>
-                <a:ea typeface="Open Sans" panose="020B0606030504020204" pitchFamily="34" charset="0"/>
-                <a:cs typeface="Open Sans" panose="020B0606030504020204" pitchFamily="34" charset="0"/>
-              </a:rPr>
-              <a:t>Use spaCy to automatically tag/annotate a text file of your choice for PoS, NERs, and Universal Dependencies.</a:t>
-            </a:r>
-          </a:p>
-        </p:txBody>
-      </p:sp>
-      <p:sp>
-        <p:nvSpPr>
-          <p:cNvPr id="6" name="Textfeld 5">
-            <a:extLst>
-              <a:ext uri="{FF2B5EF4-FFF2-40B4-BE49-F238E27FC236}">
-                <a16:creationId xmlns:a16="http://schemas.microsoft.com/office/drawing/2014/main" id="{A59EF70E-07FB-4E9A-BA3C-4AB15FF92603}"/>
-              </a:ext>
-            </a:extLst>
-          </p:cNvPr>
-          <p:cNvSpPr txBox="1"/>
-          <p:nvPr/>
-        </p:nvSpPr>
-        <p:spPr>
-          <a:xfrm>
-            <a:off x="838199" y="2549913"/>
-            <a:ext cx="9667241" cy="2541080"/>
-          </a:xfrm>
-          <a:prstGeom prst="rect">
-            <a:avLst/>
-          </a:prstGeom>
-          <a:noFill/>
-        </p:spPr>
-        <p:txBody>
-          <a:bodyPr wrap="square" rtlCol="0">
-            <a:spAutoFit/>
-          </a:bodyPr>
-          <a:lstStyle/>
-          <a:p>
-            <a:pPr>
-              <a:lnSpc>
-                <a:spcPct val="150000"/>
-              </a:lnSpc>
-              <a:buClr>
-                <a:srgbClr val="FF0066"/>
-              </a:buClr>
-            </a:pPr>
-            <a:r>
-              <a:rPr lang="en-US" dirty="0">
-                <a:latin typeface="Open Sans" panose="020B0606030504020204" pitchFamily="34" charset="0"/>
-                <a:ea typeface="Open Sans" panose="020B0606030504020204" pitchFamily="34" charset="0"/>
-                <a:cs typeface="Open Sans" panose="020B0606030504020204" pitchFamily="34" charset="0"/>
-              </a:rPr>
-              <a:t>Here we are using </a:t>
-            </a:r>
-            <a:r>
-              <a:rPr lang="en-US" i="1" dirty="0">
-                <a:latin typeface="Open Sans" panose="020B0606030504020204" pitchFamily="34" charset="0"/>
-                <a:ea typeface="Open Sans" panose="020B0606030504020204" pitchFamily="34" charset="0"/>
-                <a:cs typeface="Open Sans" panose="020B0606030504020204" pitchFamily="34" charset="0"/>
-              </a:rPr>
-              <a:t>spaCy</a:t>
-            </a:r>
-            <a:r>
-              <a:rPr lang="en-US" dirty="0">
-                <a:latin typeface="Open Sans" panose="020B0606030504020204" pitchFamily="34" charset="0"/>
-                <a:ea typeface="Open Sans" panose="020B0606030504020204" pitchFamily="34" charset="0"/>
-                <a:cs typeface="Open Sans" panose="020B0606030504020204" pitchFamily="34" charset="0"/>
-              </a:rPr>
-              <a:t> and a small </a:t>
-            </a:r>
-            <a:r>
-              <a:rPr lang="en-US" b="1" dirty="0">
-                <a:latin typeface="Open Sans" panose="020B0606030504020204" pitchFamily="34" charset="0"/>
-                <a:ea typeface="Open Sans" panose="020B0606030504020204" pitchFamily="34" charset="0"/>
-                <a:cs typeface="Open Sans" panose="020B0606030504020204" pitchFamily="34" charset="0"/>
-              </a:rPr>
-              <a:t>language model</a:t>
-            </a:r>
-            <a:r>
-              <a:rPr lang="en-US" dirty="0">
-                <a:latin typeface="Open Sans" panose="020B0606030504020204" pitchFamily="34" charset="0"/>
-                <a:ea typeface="Open Sans" panose="020B0606030504020204" pitchFamily="34" charset="0"/>
-                <a:cs typeface="Open Sans" panose="020B0606030504020204" pitchFamily="34" charset="0"/>
-              </a:rPr>
-              <a:t> (</a:t>
-            </a:r>
-            <a:r>
-              <a:rPr lang="en-US" i="1" dirty="0">
-                <a:latin typeface="Open Sans" panose="020B0606030504020204" pitchFamily="34" charset="0"/>
-                <a:ea typeface="Open Sans" panose="020B0606030504020204" pitchFamily="34" charset="0"/>
-                <a:cs typeface="Open Sans" panose="020B0606030504020204" pitchFamily="34" charset="0"/>
-              </a:rPr>
-              <a:t>en_core_web_sm</a:t>
-            </a:r>
-            <a:r>
-              <a:rPr lang="en-US" dirty="0">
-                <a:latin typeface="Open Sans" panose="020B0606030504020204" pitchFamily="34" charset="0"/>
-                <a:ea typeface="Open Sans" panose="020B0606030504020204" pitchFamily="34" charset="0"/>
-                <a:cs typeface="Open Sans" panose="020B0606030504020204" pitchFamily="34" charset="0"/>
-              </a:rPr>
-              <a:t>) to tag a given text. After creating a </a:t>
-            </a:r>
-            <a:r>
-              <a:rPr lang="en-US" i="1" dirty="0">
-                <a:latin typeface="Open Sans" panose="020B0606030504020204" pitchFamily="34" charset="0"/>
-                <a:ea typeface="Open Sans" panose="020B0606030504020204" pitchFamily="34" charset="0"/>
-                <a:cs typeface="Open Sans" panose="020B0606030504020204" pitchFamily="34" charset="0"/>
-              </a:rPr>
-              <a:t>spaCy</a:t>
-            </a:r>
-            <a:r>
-              <a:rPr lang="en-US" dirty="0">
-                <a:latin typeface="Open Sans" panose="020B0606030504020204" pitchFamily="34" charset="0"/>
-                <a:ea typeface="Open Sans" panose="020B0606030504020204" pitchFamily="34" charset="0"/>
-                <a:cs typeface="Open Sans" panose="020B0606030504020204" pitchFamily="34" charset="0"/>
-              </a:rPr>
-              <a:t> document – using the model – we can loop over the tokens (and entities) to access their tags.</a:t>
-            </a:r>
-          </a:p>
-          <a:p>
-            <a:pPr>
-              <a:lnSpc>
-                <a:spcPct val="150000"/>
-              </a:lnSpc>
-              <a:buClr>
-                <a:srgbClr val="FF0066"/>
-              </a:buClr>
-            </a:pPr>
-            <a:endParaRPr lang="en-US" dirty="0">
-              <a:latin typeface="Open Sans" panose="020B0606030504020204" pitchFamily="34" charset="0"/>
-              <a:ea typeface="Open Sans" panose="020B0606030504020204" pitchFamily="34" charset="0"/>
-              <a:cs typeface="Open Sans" panose="020B0606030504020204" pitchFamily="34" charset="0"/>
-            </a:endParaRPr>
-          </a:p>
-          <a:p>
-            <a:pPr>
-              <a:lnSpc>
-                <a:spcPct val="150000"/>
-              </a:lnSpc>
-              <a:buClr>
-                <a:srgbClr val="FF0066"/>
-              </a:buClr>
-            </a:pPr>
-            <a:r>
-              <a:rPr lang="en-US" dirty="0">
-                <a:latin typeface="Open Sans" panose="020B0606030504020204" pitchFamily="34" charset="0"/>
-                <a:ea typeface="Open Sans" panose="020B0606030504020204" pitchFamily="34" charset="0"/>
-                <a:cs typeface="Open Sans" panose="020B0606030504020204" pitchFamily="34" charset="0"/>
-              </a:rPr>
-              <a:t>Using </a:t>
-            </a:r>
-            <a:r>
-              <a:rPr lang="en-US" i="1" dirty="0">
-                <a:latin typeface="Open Sans" panose="020B0606030504020204" pitchFamily="34" charset="0"/>
-                <a:ea typeface="Open Sans" panose="020B0606030504020204" pitchFamily="34" charset="0"/>
-                <a:cs typeface="Open Sans" panose="020B0606030504020204" pitchFamily="34" charset="0"/>
-              </a:rPr>
-              <a:t>displaCy</a:t>
-            </a:r>
-            <a:r>
-              <a:rPr lang="en-US" dirty="0">
-                <a:latin typeface="Open Sans" panose="020B0606030504020204" pitchFamily="34" charset="0"/>
-                <a:ea typeface="Open Sans" panose="020B0606030504020204" pitchFamily="34" charset="0"/>
-                <a:cs typeface="Open Sans" panose="020B0606030504020204" pitchFamily="34" charset="0"/>
-              </a:rPr>
-              <a:t>, </a:t>
-            </a:r>
-            <a:r>
-              <a:rPr lang="en-US" i="1" dirty="0">
-                <a:latin typeface="Open Sans" panose="020B0606030504020204" pitchFamily="34" charset="0"/>
-                <a:ea typeface="Open Sans" panose="020B0606030504020204" pitchFamily="34" charset="0"/>
-                <a:cs typeface="Open Sans" panose="020B0606030504020204" pitchFamily="34" charset="0"/>
-              </a:rPr>
-              <a:t>spaCy’s</a:t>
-            </a:r>
-            <a:r>
-              <a:rPr lang="en-US" dirty="0">
-                <a:latin typeface="Open Sans" panose="020B0606030504020204" pitchFamily="34" charset="0"/>
-                <a:ea typeface="Open Sans" panose="020B0606030504020204" pitchFamily="34" charset="0"/>
-                <a:cs typeface="Open Sans" panose="020B0606030504020204" pitchFamily="34" charset="0"/>
-              </a:rPr>
-              <a:t> visualizer library, we can also generate graphs for the dependencies. </a:t>
-            </a:r>
-          </a:p>
-        </p:txBody>
-      </p:sp>
-    </p:spTree>
-    <p:extLst>
-      <p:ext uri="{BB962C8B-B14F-4D97-AF65-F5344CB8AC3E}">
-        <p14:creationId xmlns:p14="http://schemas.microsoft.com/office/powerpoint/2010/main" val="4055829021"/>
-      </p:ext>
-    </p:extLst>
-  </p:cSld>
-  <p:clrMapOvr>
-    <a:masterClrMapping/>
-  </p:clrMapOvr>
-</p:sld>
-</file>
-
-<file path=ppt/slides/slide29.xml><?xml version="1.0" encoding="utf-8"?>
-<p:sld xmlns:a="http://schemas.openxmlformats.org/drawingml/2006/main" xmlns:r="http://schemas.openxmlformats.org/officeDocument/2006/relationships" xmlns:p="http://schemas.openxmlformats.org/presentationml/2006/main">
-  <p:cSld>
-    <p:spTree>
-      <p:nvGrpSpPr>
-        <p:cNvPr id="1" name=""/>
-        <p:cNvGrpSpPr/>
-        <p:nvPr/>
-      </p:nvGrpSpPr>
-      <p:grpSpPr>
-        <a:xfrm>
-          <a:off x="0" y="0"/>
-          <a:ext cx="0" cy="0"/>
-          <a:chOff x="0" y="0"/>
-          <a:chExt cx="0" cy="0"/>
-        </a:xfrm>
-      </p:grpSpPr>
-      <p:sp>
-        <p:nvSpPr>
-          <p:cNvPr id="2" name="Titel 1">
-            <a:extLst>
-              <a:ext uri="{FF2B5EF4-FFF2-40B4-BE49-F238E27FC236}">
-                <a16:creationId xmlns:a16="http://schemas.microsoft.com/office/drawing/2014/main" id="{248DB162-3A84-41EE-BA83-B24329E9B7B3}"/>
-              </a:ext>
-            </a:extLst>
-          </p:cNvPr>
-          <p:cNvSpPr>
-            <a:spLocks noGrp="1"/>
-          </p:cNvSpPr>
-          <p:nvPr>
-            <p:ph type="title"/>
-          </p:nvPr>
-        </p:nvSpPr>
-        <p:spPr/>
-        <p:txBody>
           <a:bodyPr/>
           <a:lstStyle/>
           <a:p>
@@ -26687,411 +26513,7 @@
 </p:sld>
 </file>
 
-<file path=ppt/slides/slide3.xml><?xml version="1.0" encoding="utf-8"?>
-<p:sld xmlns:a="http://schemas.openxmlformats.org/drawingml/2006/main" xmlns:r="http://schemas.openxmlformats.org/officeDocument/2006/relationships" xmlns:p="http://schemas.openxmlformats.org/presentationml/2006/main">
-  <p:cSld>
-    <p:spTree>
-      <p:nvGrpSpPr>
-        <p:cNvPr id="1" name=""/>
-        <p:cNvGrpSpPr/>
-        <p:nvPr/>
-      </p:nvGrpSpPr>
-      <p:grpSpPr>
-        <a:xfrm>
-          <a:off x="0" y="0"/>
-          <a:ext cx="0" cy="0"/>
-          <a:chOff x="0" y="0"/>
-          <a:chExt cx="0" cy="0"/>
-        </a:xfrm>
-      </p:grpSpPr>
-      <p:sp>
-        <p:nvSpPr>
-          <p:cNvPr id="2" name="Titel 1">
-            <a:extLst>
-              <a:ext uri="{FF2B5EF4-FFF2-40B4-BE49-F238E27FC236}">
-                <a16:creationId xmlns:a16="http://schemas.microsoft.com/office/drawing/2014/main" id="{248DB162-3A84-41EE-BA83-B24329E9B7B3}"/>
-              </a:ext>
-            </a:extLst>
-          </p:cNvPr>
-          <p:cNvSpPr>
-            <a:spLocks noGrp="1"/>
-          </p:cNvSpPr>
-          <p:nvPr>
-            <p:ph type="title"/>
-          </p:nvPr>
-        </p:nvSpPr>
-        <p:spPr/>
-        <p:txBody>
-          <a:bodyPr/>
-          <a:lstStyle/>
-          <a:p>
-            <a:r>
-              <a:rPr lang="en-US" dirty="0">
-                <a:latin typeface="Open Sans" panose="020B0606030504020204" pitchFamily="34" charset="0"/>
-                <a:ea typeface="Open Sans" panose="020B0606030504020204" pitchFamily="34" charset="0"/>
-                <a:cs typeface="Open Sans" panose="020B0606030504020204" pitchFamily="34" charset="0"/>
-              </a:rPr>
-              <a:t>This Session</a:t>
-            </a:r>
-          </a:p>
-        </p:txBody>
-      </p:sp>
-      <p:sp>
-        <p:nvSpPr>
-          <p:cNvPr id="4" name="Textfeld 3">
-            <a:extLst>
-              <a:ext uri="{FF2B5EF4-FFF2-40B4-BE49-F238E27FC236}">
-                <a16:creationId xmlns:a16="http://schemas.microsoft.com/office/drawing/2014/main" id="{F2E6BA25-8AD8-4176-A71C-DAC5B9346C81}"/>
-              </a:ext>
-            </a:extLst>
-          </p:cNvPr>
-          <p:cNvSpPr txBox="1"/>
-          <p:nvPr/>
-        </p:nvSpPr>
-        <p:spPr>
-          <a:xfrm>
-            <a:off x="1085851" y="1690688"/>
-            <a:ext cx="10267949" cy="1996893"/>
-          </a:xfrm>
-          <a:prstGeom prst="rect">
-            <a:avLst/>
-          </a:prstGeom>
-          <a:noFill/>
-        </p:spPr>
-        <p:txBody>
-          <a:bodyPr wrap="square" numCol="2" rtlCol="0">
-            <a:spAutoFit/>
-          </a:bodyPr>
-          <a:lstStyle/>
-          <a:p>
-            <a:pPr marL="457200" indent="-457200">
-              <a:lnSpc>
-                <a:spcPct val="150000"/>
-              </a:lnSpc>
-              <a:buClr>
-                <a:srgbClr val="FF0066"/>
-              </a:buClr>
-              <a:buFont typeface="+mj-lt"/>
-              <a:buAutoNum type="arabicPeriod"/>
-            </a:pPr>
-            <a:r>
-              <a:rPr lang="en-US" sz="1600" dirty="0">
-                <a:latin typeface="Open Sans" panose="020B0606030504020204" pitchFamily="34" charset="0"/>
-                <a:ea typeface="Open Sans" panose="020B0606030504020204" pitchFamily="34" charset="0"/>
-                <a:cs typeface="Open Sans" panose="020B0606030504020204" pitchFamily="34" charset="0"/>
-              </a:rPr>
-              <a:t>Concordancer</a:t>
-            </a:r>
-          </a:p>
-          <a:p>
-            <a:pPr marL="457200" indent="-457200">
-              <a:lnSpc>
-                <a:spcPct val="150000"/>
-              </a:lnSpc>
-              <a:buClr>
-                <a:srgbClr val="FF0066"/>
-              </a:buClr>
-              <a:buFont typeface="+mj-lt"/>
-              <a:buAutoNum type="arabicPeriod"/>
-            </a:pPr>
-            <a:r>
-              <a:rPr lang="en-US" sz="1600" dirty="0">
-                <a:latin typeface="Open Sans" panose="020B0606030504020204" pitchFamily="34" charset="0"/>
-                <a:ea typeface="Open Sans" panose="020B0606030504020204" pitchFamily="34" charset="0"/>
-                <a:cs typeface="Open Sans" panose="020B0606030504020204" pitchFamily="34" charset="0"/>
-              </a:rPr>
-              <a:t>N-Grams</a:t>
-            </a:r>
-          </a:p>
-          <a:p>
-            <a:pPr marL="457200" indent="-457200">
-              <a:lnSpc>
-                <a:spcPct val="150000"/>
-              </a:lnSpc>
-              <a:buClr>
-                <a:srgbClr val="FF0066"/>
-              </a:buClr>
-              <a:buFont typeface="+mj-lt"/>
-              <a:buAutoNum type="arabicPeriod"/>
-            </a:pPr>
-            <a:r>
-              <a:rPr lang="en-US" sz="1600" dirty="0">
-                <a:latin typeface="Open Sans" panose="020B0606030504020204" pitchFamily="34" charset="0"/>
-                <a:ea typeface="Open Sans" panose="020B0606030504020204" pitchFamily="34" charset="0"/>
-                <a:cs typeface="Open Sans" panose="020B0606030504020204" pitchFamily="34" charset="0"/>
-              </a:rPr>
-              <a:t>Frequency Analysis</a:t>
-            </a:r>
-          </a:p>
-          <a:p>
-            <a:pPr marL="457200" indent="-457200">
-              <a:lnSpc>
-                <a:spcPct val="150000"/>
-              </a:lnSpc>
-              <a:buClr>
-                <a:srgbClr val="FF0066"/>
-              </a:buClr>
-              <a:buFont typeface="+mj-lt"/>
-              <a:buAutoNum type="arabicPeriod"/>
-            </a:pPr>
-            <a:r>
-              <a:rPr lang="en-US" sz="1600" dirty="0">
-                <a:latin typeface="Open Sans" panose="020B0606030504020204" pitchFamily="34" charset="0"/>
-                <a:ea typeface="Open Sans" panose="020B0606030504020204" pitchFamily="34" charset="0"/>
-                <a:cs typeface="Open Sans" panose="020B0606030504020204" pitchFamily="34" charset="0"/>
-              </a:rPr>
-              <a:t>Computing Basic Statistics</a:t>
-            </a:r>
-          </a:p>
-          <a:p>
-            <a:pPr marL="457200" indent="-457200">
-              <a:lnSpc>
-                <a:spcPct val="150000"/>
-              </a:lnSpc>
-              <a:buClr>
-                <a:srgbClr val="FF0066"/>
-              </a:buClr>
-              <a:buFont typeface="+mj-lt"/>
-              <a:buAutoNum type="arabicPeriod"/>
-            </a:pPr>
-            <a:r>
-              <a:rPr lang="en-US" sz="1600" dirty="0">
-                <a:latin typeface="Open Sans" panose="020B0606030504020204" pitchFamily="34" charset="0"/>
-                <a:ea typeface="Open Sans" panose="020B0606030504020204" pitchFamily="34" charset="0"/>
-                <a:cs typeface="Open Sans" panose="020B0606030504020204" pitchFamily="34" charset="0"/>
-              </a:rPr>
-              <a:t>Basic Collocation Analysis</a:t>
-            </a:r>
-          </a:p>
-          <a:p>
-            <a:pPr marL="457200" indent="-457200">
-              <a:lnSpc>
-                <a:spcPct val="150000"/>
-              </a:lnSpc>
-              <a:buClr>
-                <a:srgbClr val="FF0066"/>
-              </a:buClr>
-              <a:buFont typeface="+mj-lt"/>
-              <a:buAutoNum type="arabicPeriod"/>
-            </a:pPr>
-            <a:r>
-              <a:rPr lang="en-US" sz="1600" dirty="0">
-                <a:latin typeface="Open Sans" panose="020B0606030504020204" pitchFamily="34" charset="0"/>
-                <a:ea typeface="Open Sans" panose="020B0606030504020204" pitchFamily="34" charset="0"/>
-                <a:cs typeface="Open Sans" panose="020B0606030504020204" pitchFamily="34" charset="0"/>
-              </a:rPr>
-              <a:t>NLTK Stemming, Lemmatization, and WordNet</a:t>
-            </a:r>
-          </a:p>
-          <a:p>
-            <a:pPr marL="457200" indent="-457200">
-              <a:lnSpc>
-                <a:spcPct val="150000"/>
-              </a:lnSpc>
-              <a:buClr>
-                <a:srgbClr val="FF0066"/>
-              </a:buClr>
-              <a:buFont typeface="+mj-lt"/>
-              <a:buAutoNum type="arabicPeriod"/>
-            </a:pPr>
-            <a:r>
-              <a:rPr lang="en-US" sz="1600" dirty="0">
-                <a:latin typeface="Open Sans" panose="020B0606030504020204" pitchFamily="34" charset="0"/>
-                <a:ea typeface="Open Sans" panose="020B0606030504020204" pitchFamily="34" charset="0"/>
-                <a:cs typeface="Open Sans" panose="020B0606030504020204" pitchFamily="34" charset="0"/>
-              </a:rPr>
-              <a:t>spaCy Tagging</a:t>
-            </a:r>
-          </a:p>
-          <a:p>
-            <a:pPr marL="457200" indent="-457200">
-              <a:lnSpc>
-                <a:spcPct val="150000"/>
-              </a:lnSpc>
-              <a:buClr>
-                <a:srgbClr val="FF0066"/>
-              </a:buClr>
-              <a:buFont typeface="+mj-lt"/>
-              <a:buAutoNum type="arabicPeriod"/>
-            </a:pPr>
-            <a:r>
-              <a:rPr lang="en-US" sz="1600" dirty="0">
-                <a:latin typeface="Open Sans" panose="020B0606030504020204" pitchFamily="34" charset="0"/>
-                <a:ea typeface="Open Sans" panose="020B0606030504020204" pitchFamily="34" charset="0"/>
-                <a:cs typeface="Open Sans" panose="020B0606030504020204" pitchFamily="34" charset="0"/>
-              </a:rPr>
-              <a:t>Parsing XML</a:t>
-            </a:r>
-          </a:p>
-          <a:p>
-            <a:pPr marL="457200" indent="-457200">
-              <a:lnSpc>
-                <a:spcPct val="150000"/>
-              </a:lnSpc>
-              <a:buClr>
-                <a:srgbClr val="FF0066"/>
-              </a:buClr>
-              <a:buFont typeface="+mj-lt"/>
-              <a:buAutoNum type="arabicPeriod"/>
-            </a:pPr>
-            <a:r>
-              <a:rPr lang="en-US" sz="1600" dirty="0">
-                <a:latin typeface="Open Sans" panose="020B0606030504020204" pitchFamily="34" charset="0"/>
-                <a:ea typeface="Open Sans" panose="020B0606030504020204" pitchFamily="34" charset="0"/>
-                <a:cs typeface="Open Sans" panose="020B0606030504020204" pitchFamily="34" charset="0"/>
-              </a:rPr>
-              <a:t>Web Scraping</a:t>
-            </a:r>
-          </a:p>
-          <a:p>
-            <a:pPr marL="457200" indent="-457200">
-              <a:lnSpc>
-                <a:spcPct val="150000"/>
-              </a:lnSpc>
-              <a:buClr>
-                <a:srgbClr val="FF0066"/>
-              </a:buClr>
-              <a:buFont typeface="+mj-lt"/>
-              <a:buAutoNum type="arabicPeriod"/>
-            </a:pPr>
-            <a:r>
-              <a:rPr lang="en-US" sz="1600" dirty="0">
-                <a:latin typeface="Open Sans" panose="020B0606030504020204" pitchFamily="34" charset="0"/>
-                <a:ea typeface="Open Sans" panose="020B0606030504020204" pitchFamily="34" charset="0"/>
-                <a:cs typeface="Open Sans" panose="020B0606030504020204" pitchFamily="34" charset="0"/>
-              </a:rPr>
-              <a:t>Keyword Analysis</a:t>
-            </a:r>
-          </a:p>
-        </p:txBody>
-      </p:sp>
-      <p:sp>
-        <p:nvSpPr>
-          <p:cNvPr id="3" name="TextBox 2">
-            <a:extLst>
-              <a:ext uri="{FF2B5EF4-FFF2-40B4-BE49-F238E27FC236}">
-                <a16:creationId xmlns:a16="http://schemas.microsoft.com/office/drawing/2014/main" id="{BEABF794-A203-4D91-8B45-9E31915D38E7}"/>
-              </a:ext>
-            </a:extLst>
-          </p:cNvPr>
-          <p:cNvSpPr txBox="1"/>
-          <p:nvPr/>
-        </p:nvSpPr>
-        <p:spPr>
-          <a:xfrm>
-            <a:off x="1085850" y="4102100"/>
-            <a:ext cx="10312399" cy="1710084"/>
-          </a:xfrm>
-          <a:prstGeom prst="rect">
-            <a:avLst/>
-          </a:prstGeom>
-          <a:noFill/>
-        </p:spPr>
-        <p:txBody>
-          <a:bodyPr wrap="square" rtlCol="0">
-            <a:spAutoFit/>
-          </a:bodyPr>
-          <a:lstStyle/>
-          <a:p>
-            <a:pPr>
-              <a:lnSpc>
-                <a:spcPct val="150000"/>
-              </a:lnSpc>
-            </a:pPr>
-            <a:r>
-              <a:rPr lang="en-US" b="1" dirty="0">
-                <a:latin typeface="Open Sans" panose="020B0606030504020204" pitchFamily="34" charset="0"/>
-                <a:ea typeface="Open Sans" panose="020B0606030504020204" pitchFamily="34" charset="0"/>
-                <a:cs typeface="Open Sans" panose="020B0606030504020204" pitchFamily="34" charset="0"/>
-                <a:sym typeface="Wingdings" panose="05000000000000000000" pitchFamily="2" charset="2"/>
-              </a:rPr>
-              <a:t> </a:t>
-            </a:r>
-            <a:r>
-              <a:rPr lang="en-US" dirty="0">
-                <a:latin typeface="Open Sans" panose="020B0606030504020204" pitchFamily="34" charset="0"/>
-                <a:ea typeface="Open Sans" panose="020B0606030504020204" pitchFamily="34" charset="0"/>
-                <a:cs typeface="Open Sans" panose="020B0606030504020204" pitchFamily="34" charset="0"/>
-                <a:sym typeface="Wingdings" panose="05000000000000000000" pitchFamily="2" charset="2"/>
-              </a:rPr>
-              <a:t>For some of these exercises, we will find </a:t>
-            </a:r>
-            <a:r>
-              <a:rPr lang="en-US" b="1" dirty="0">
-                <a:latin typeface="Open Sans" panose="020B0606030504020204" pitchFamily="34" charset="0"/>
-                <a:ea typeface="Open Sans" panose="020B0606030504020204" pitchFamily="34" charset="0"/>
-                <a:cs typeface="Open Sans" panose="020B0606030504020204" pitchFamily="34" charset="0"/>
-                <a:sym typeface="Wingdings" panose="05000000000000000000" pitchFamily="2" charset="2"/>
-              </a:rPr>
-              <a:t>two solutions</a:t>
-            </a:r>
-            <a:r>
-              <a:rPr lang="en-US" dirty="0">
-                <a:latin typeface="Open Sans" panose="020B0606030504020204" pitchFamily="34" charset="0"/>
-                <a:ea typeface="Open Sans" panose="020B0606030504020204" pitchFamily="34" charset="0"/>
-                <a:cs typeface="Open Sans" panose="020B0606030504020204" pitchFamily="34" charset="0"/>
-                <a:sym typeface="Wingdings" panose="05000000000000000000" pitchFamily="2" charset="2"/>
-              </a:rPr>
-              <a:t>. First, we will be using </a:t>
-            </a:r>
-            <a:r>
-              <a:rPr lang="en-US" b="1" dirty="0">
-                <a:latin typeface="Open Sans" panose="020B0606030504020204" pitchFamily="34" charset="0"/>
-                <a:ea typeface="Open Sans" panose="020B0606030504020204" pitchFamily="34" charset="0"/>
-                <a:cs typeface="Open Sans" panose="020B0606030504020204" pitchFamily="34" charset="0"/>
-                <a:sym typeface="Wingdings" panose="05000000000000000000" pitchFamily="2" charset="2"/>
-              </a:rPr>
-              <a:t>well-established libraries and tools</a:t>
-            </a:r>
-            <a:r>
-              <a:rPr lang="en-US" dirty="0">
-                <a:latin typeface="Open Sans" panose="020B0606030504020204" pitchFamily="34" charset="0"/>
-                <a:ea typeface="Open Sans" panose="020B0606030504020204" pitchFamily="34" charset="0"/>
-                <a:cs typeface="Open Sans" panose="020B0606030504020204" pitchFamily="34" charset="0"/>
-                <a:sym typeface="Wingdings" panose="05000000000000000000" pitchFamily="2" charset="2"/>
-              </a:rPr>
-              <a:t> (e.g., NLTK and spaCy). Then we are going to implement solutions in </a:t>
-            </a:r>
-            <a:r>
-              <a:rPr lang="en-US" b="1" dirty="0">
-                <a:latin typeface="Open Sans" panose="020B0606030504020204" pitchFamily="34" charset="0"/>
-                <a:ea typeface="Open Sans" panose="020B0606030504020204" pitchFamily="34" charset="0"/>
-                <a:cs typeface="Open Sans" panose="020B0606030504020204" pitchFamily="34" charset="0"/>
-                <a:sym typeface="Wingdings" panose="05000000000000000000" pitchFamily="2" charset="2"/>
-              </a:rPr>
-              <a:t>plain (more-or-less) Python</a:t>
-            </a:r>
-            <a:r>
-              <a:rPr lang="en-US" dirty="0">
-                <a:latin typeface="Open Sans" panose="020B0606030504020204" pitchFamily="34" charset="0"/>
-                <a:ea typeface="Open Sans" panose="020B0606030504020204" pitchFamily="34" charset="0"/>
-                <a:cs typeface="Open Sans" panose="020B0606030504020204" pitchFamily="34" charset="0"/>
-                <a:sym typeface="Wingdings" panose="05000000000000000000" pitchFamily="2" charset="2"/>
-              </a:rPr>
-              <a:t> in order to understand how these things work under the hood.</a:t>
-            </a:r>
-            <a:endParaRPr lang="en-US" dirty="0">
-              <a:latin typeface="Open Sans" panose="020B0606030504020204" pitchFamily="34" charset="0"/>
-              <a:ea typeface="Open Sans" panose="020B0606030504020204" pitchFamily="34" charset="0"/>
-              <a:cs typeface="Open Sans" panose="020B0606030504020204" pitchFamily="34" charset="0"/>
-            </a:endParaRPr>
-          </a:p>
-        </p:txBody>
-      </p:sp>
-    </p:spTree>
-    <p:extLst>
-      <p:ext uri="{BB962C8B-B14F-4D97-AF65-F5344CB8AC3E}">
-        <p14:creationId xmlns:p14="http://schemas.microsoft.com/office/powerpoint/2010/main" val="1715051546"/>
-      </p:ext>
-    </p:extLst>
-  </p:cSld>
-  <p:clrMapOvr>
-    <a:masterClrMapping/>
-  </p:clrMapOvr>
-</p:sld>
-</file>
-
-<file path=ppt/slides/slide30.xml><?xml version="1.0" encoding="utf-8"?>
+<file path=ppt/slides/slide28.xml><?xml version="1.0" encoding="utf-8"?>
 <p:sld xmlns:a="http://schemas.openxmlformats.org/drawingml/2006/main" xmlns:r="http://schemas.openxmlformats.org/officeDocument/2006/relationships" xmlns:p="http://schemas.openxmlformats.org/presentationml/2006/main">
   <p:cSld>
     <p:spTree>
@@ -27344,7 +26766,7 @@
 </p:sld>
 </file>
 
-<file path=ppt/slides/slide31.xml><?xml version="1.0" encoding="utf-8"?>
+<file path=ppt/slides/slide29.xml><?xml version="1.0" encoding="utf-8"?>
 <p:sld xmlns:a="http://schemas.openxmlformats.org/drawingml/2006/main" xmlns:r="http://schemas.openxmlformats.org/officeDocument/2006/relationships" xmlns:p="http://schemas.openxmlformats.org/presentationml/2006/main">
   <p:cSld>
     <p:spTree>
@@ -27996,7 +27418,7 @@
 </p:sld>
 </file>
 
-<file path=ppt/slides/slide32.xml><?xml version="1.0" encoding="utf-8"?>
+<file path=ppt/slides/slide3.xml><?xml version="1.0" encoding="utf-8"?>
 <p:sld xmlns:a="http://schemas.openxmlformats.org/drawingml/2006/main" xmlns:r="http://schemas.openxmlformats.org/officeDocument/2006/relationships" xmlns:p="http://schemas.openxmlformats.org/presentationml/2006/main">
   <p:cSld>
     <p:spTree>
@@ -28040,6 +27462,410 @@
                 <a:ea typeface="Open Sans" panose="020B0606030504020204" pitchFamily="34" charset="0"/>
                 <a:cs typeface="Open Sans" panose="020B0606030504020204" pitchFamily="34" charset="0"/>
               </a:rPr>
+              <a:t>This Session</a:t>
+            </a:r>
+          </a:p>
+        </p:txBody>
+      </p:sp>
+      <p:sp>
+        <p:nvSpPr>
+          <p:cNvPr id="4" name="Textfeld 3">
+            <a:extLst>
+              <a:ext uri="{FF2B5EF4-FFF2-40B4-BE49-F238E27FC236}">
+                <a16:creationId xmlns:a16="http://schemas.microsoft.com/office/drawing/2014/main" id="{F2E6BA25-8AD8-4176-A71C-DAC5B9346C81}"/>
+              </a:ext>
+            </a:extLst>
+          </p:cNvPr>
+          <p:cNvSpPr txBox="1"/>
+          <p:nvPr/>
+        </p:nvSpPr>
+        <p:spPr>
+          <a:xfrm>
+            <a:off x="1085851" y="1690688"/>
+            <a:ext cx="10267949" cy="1996893"/>
+          </a:xfrm>
+          <a:prstGeom prst="rect">
+            <a:avLst/>
+          </a:prstGeom>
+          <a:noFill/>
+        </p:spPr>
+        <p:txBody>
+          <a:bodyPr wrap="square" numCol="2" rtlCol="0">
+            <a:spAutoFit/>
+          </a:bodyPr>
+          <a:lstStyle/>
+          <a:p>
+            <a:pPr marL="457200" indent="-457200">
+              <a:lnSpc>
+                <a:spcPct val="150000"/>
+              </a:lnSpc>
+              <a:buClr>
+                <a:srgbClr val="FF0066"/>
+              </a:buClr>
+              <a:buFont typeface="+mj-lt"/>
+              <a:buAutoNum type="arabicPeriod"/>
+            </a:pPr>
+            <a:r>
+              <a:rPr lang="en-US" sz="1600" dirty="0">
+                <a:latin typeface="Open Sans" panose="020B0606030504020204" pitchFamily="34" charset="0"/>
+                <a:ea typeface="Open Sans" panose="020B0606030504020204" pitchFamily="34" charset="0"/>
+                <a:cs typeface="Open Sans" panose="020B0606030504020204" pitchFamily="34" charset="0"/>
+              </a:rPr>
+              <a:t>Concordancer</a:t>
+            </a:r>
+          </a:p>
+          <a:p>
+            <a:pPr marL="457200" indent="-457200">
+              <a:lnSpc>
+                <a:spcPct val="150000"/>
+              </a:lnSpc>
+              <a:buClr>
+                <a:srgbClr val="FF0066"/>
+              </a:buClr>
+              <a:buFont typeface="+mj-lt"/>
+              <a:buAutoNum type="arabicPeriod"/>
+            </a:pPr>
+            <a:r>
+              <a:rPr lang="en-US" sz="1600" dirty="0">
+                <a:latin typeface="Open Sans" panose="020B0606030504020204" pitchFamily="34" charset="0"/>
+                <a:ea typeface="Open Sans" panose="020B0606030504020204" pitchFamily="34" charset="0"/>
+                <a:cs typeface="Open Sans" panose="020B0606030504020204" pitchFamily="34" charset="0"/>
+              </a:rPr>
+              <a:t>N-Grams</a:t>
+            </a:r>
+          </a:p>
+          <a:p>
+            <a:pPr marL="457200" indent="-457200">
+              <a:lnSpc>
+                <a:spcPct val="150000"/>
+              </a:lnSpc>
+              <a:buClr>
+                <a:srgbClr val="FF0066"/>
+              </a:buClr>
+              <a:buFont typeface="+mj-lt"/>
+              <a:buAutoNum type="arabicPeriod"/>
+            </a:pPr>
+            <a:r>
+              <a:rPr lang="en-US" sz="1600" dirty="0">
+                <a:latin typeface="Open Sans" panose="020B0606030504020204" pitchFamily="34" charset="0"/>
+                <a:ea typeface="Open Sans" panose="020B0606030504020204" pitchFamily="34" charset="0"/>
+                <a:cs typeface="Open Sans" panose="020B0606030504020204" pitchFamily="34" charset="0"/>
+              </a:rPr>
+              <a:t>Frequency Analysis</a:t>
+            </a:r>
+          </a:p>
+          <a:p>
+            <a:pPr marL="457200" indent="-457200">
+              <a:lnSpc>
+                <a:spcPct val="150000"/>
+              </a:lnSpc>
+              <a:buClr>
+                <a:srgbClr val="FF0066"/>
+              </a:buClr>
+              <a:buFont typeface="+mj-lt"/>
+              <a:buAutoNum type="arabicPeriod"/>
+            </a:pPr>
+            <a:r>
+              <a:rPr lang="en-US" sz="1600" dirty="0">
+                <a:latin typeface="Open Sans" panose="020B0606030504020204" pitchFamily="34" charset="0"/>
+                <a:ea typeface="Open Sans" panose="020B0606030504020204" pitchFamily="34" charset="0"/>
+                <a:cs typeface="Open Sans" panose="020B0606030504020204" pitchFamily="34" charset="0"/>
+              </a:rPr>
+              <a:t>Computing Basic Statistics</a:t>
+            </a:r>
+          </a:p>
+          <a:p>
+            <a:pPr marL="457200" indent="-457200">
+              <a:lnSpc>
+                <a:spcPct val="150000"/>
+              </a:lnSpc>
+              <a:buClr>
+                <a:srgbClr val="FF0066"/>
+              </a:buClr>
+              <a:buFont typeface="+mj-lt"/>
+              <a:buAutoNum type="arabicPeriod"/>
+            </a:pPr>
+            <a:r>
+              <a:rPr lang="en-US" sz="1600" dirty="0">
+                <a:latin typeface="Open Sans" panose="020B0606030504020204" pitchFamily="34" charset="0"/>
+                <a:ea typeface="Open Sans" panose="020B0606030504020204" pitchFamily="34" charset="0"/>
+                <a:cs typeface="Open Sans" panose="020B0606030504020204" pitchFamily="34" charset="0"/>
+              </a:rPr>
+              <a:t>Basic Collocation Analysis</a:t>
+            </a:r>
+          </a:p>
+          <a:p>
+            <a:pPr marL="457200" indent="-457200">
+              <a:lnSpc>
+                <a:spcPct val="150000"/>
+              </a:lnSpc>
+              <a:buClr>
+                <a:srgbClr val="FF0066"/>
+              </a:buClr>
+              <a:buFont typeface="+mj-lt"/>
+              <a:buAutoNum type="arabicPeriod"/>
+            </a:pPr>
+            <a:r>
+              <a:rPr lang="en-US" sz="1600" dirty="0">
+                <a:latin typeface="Open Sans" panose="020B0606030504020204" pitchFamily="34" charset="0"/>
+                <a:ea typeface="Open Sans" panose="020B0606030504020204" pitchFamily="34" charset="0"/>
+                <a:cs typeface="Open Sans" panose="020B0606030504020204" pitchFamily="34" charset="0"/>
+              </a:rPr>
+              <a:t>NLTK Stemming, Lemmatization, and WordNet</a:t>
+            </a:r>
+          </a:p>
+          <a:p>
+            <a:pPr marL="457200" indent="-457200">
+              <a:lnSpc>
+                <a:spcPct val="150000"/>
+              </a:lnSpc>
+              <a:buClr>
+                <a:srgbClr val="FF0066"/>
+              </a:buClr>
+              <a:buFont typeface="+mj-lt"/>
+              <a:buAutoNum type="arabicPeriod"/>
+            </a:pPr>
+            <a:r>
+              <a:rPr lang="en-US" sz="1600" dirty="0">
+                <a:latin typeface="Open Sans" panose="020B0606030504020204" pitchFamily="34" charset="0"/>
+                <a:ea typeface="Open Sans" panose="020B0606030504020204" pitchFamily="34" charset="0"/>
+                <a:cs typeface="Open Sans" panose="020B0606030504020204" pitchFamily="34" charset="0"/>
+              </a:rPr>
+              <a:t>spaCy Tagging</a:t>
+            </a:r>
+          </a:p>
+          <a:p>
+            <a:pPr marL="457200" indent="-457200">
+              <a:lnSpc>
+                <a:spcPct val="150000"/>
+              </a:lnSpc>
+              <a:buClr>
+                <a:srgbClr val="FF0066"/>
+              </a:buClr>
+              <a:buFont typeface="+mj-lt"/>
+              <a:buAutoNum type="arabicPeriod"/>
+            </a:pPr>
+            <a:r>
+              <a:rPr lang="en-US" sz="1600" dirty="0">
+                <a:latin typeface="Open Sans" panose="020B0606030504020204" pitchFamily="34" charset="0"/>
+                <a:ea typeface="Open Sans" panose="020B0606030504020204" pitchFamily="34" charset="0"/>
+                <a:cs typeface="Open Sans" panose="020B0606030504020204" pitchFamily="34" charset="0"/>
+              </a:rPr>
+              <a:t>Parsing XML</a:t>
+            </a:r>
+          </a:p>
+          <a:p>
+            <a:pPr marL="457200" indent="-457200">
+              <a:lnSpc>
+                <a:spcPct val="150000"/>
+              </a:lnSpc>
+              <a:buClr>
+                <a:srgbClr val="FF0066"/>
+              </a:buClr>
+              <a:buFont typeface="+mj-lt"/>
+              <a:buAutoNum type="arabicPeriod"/>
+            </a:pPr>
+            <a:r>
+              <a:rPr lang="en-US" sz="1600" dirty="0">
+                <a:latin typeface="Open Sans" panose="020B0606030504020204" pitchFamily="34" charset="0"/>
+                <a:ea typeface="Open Sans" panose="020B0606030504020204" pitchFamily="34" charset="0"/>
+                <a:cs typeface="Open Sans" panose="020B0606030504020204" pitchFamily="34" charset="0"/>
+              </a:rPr>
+              <a:t>Web Scraping</a:t>
+            </a:r>
+          </a:p>
+          <a:p>
+            <a:pPr marL="457200" indent="-457200">
+              <a:lnSpc>
+                <a:spcPct val="150000"/>
+              </a:lnSpc>
+              <a:buClr>
+                <a:srgbClr val="FF0066"/>
+              </a:buClr>
+              <a:buFont typeface="+mj-lt"/>
+              <a:buAutoNum type="arabicPeriod"/>
+            </a:pPr>
+            <a:r>
+              <a:rPr lang="en-US" sz="1600" dirty="0">
+                <a:latin typeface="Open Sans" panose="020B0606030504020204" pitchFamily="34" charset="0"/>
+                <a:ea typeface="Open Sans" panose="020B0606030504020204" pitchFamily="34" charset="0"/>
+                <a:cs typeface="Open Sans" panose="020B0606030504020204" pitchFamily="34" charset="0"/>
+              </a:rPr>
+              <a:t>Keyword Analysis</a:t>
+            </a:r>
+          </a:p>
+        </p:txBody>
+      </p:sp>
+      <p:sp>
+        <p:nvSpPr>
+          <p:cNvPr id="3" name="TextBox 2">
+            <a:extLst>
+              <a:ext uri="{FF2B5EF4-FFF2-40B4-BE49-F238E27FC236}">
+                <a16:creationId xmlns:a16="http://schemas.microsoft.com/office/drawing/2014/main" id="{BEABF794-A203-4D91-8B45-9E31915D38E7}"/>
+              </a:ext>
+            </a:extLst>
+          </p:cNvPr>
+          <p:cNvSpPr txBox="1"/>
+          <p:nvPr/>
+        </p:nvSpPr>
+        <p:spPr>
+          <a:xfrm>
+            <a:off x="1085850" y="4102100"/>
+            <a:ext cx="10312399" cy="1710084"/>
+          </a:xfrm>
+          <a:prstGeom prst="rect">
+            <a:avLst/>
+          </a:prstGeom>
+          <a:noFill/>
+        </p:spPr>
+        <p:txBody>
+          <a:bodyPr wrap="square" rtlCol="0">
+            <a:spAutoFit/>
+          </a:bodyPr>
+          <a:lstStyle/>
+          <a:p>
+            <a:pPr>
+              <a:lnSpc>
+                <a:spcPct val="150000"/>
+              </a:lnSpc>
+            </a:pPr>
+            <a:r>
+              <a:rPr lang="en-US" b="1" dirty="0">
+                <a:latin typeface="Open Sans" panose="020B0606030504020204" pitchFamily="34" charset="0"/>
+                <a:ea typeface="Open Sans" panose="020B0606030504020204" pitchFamily="34" charset="0"/>
+                <a:cs typeface="Open Sans" panose="020B0606030504020204" pitchFamily="34" charset="0"/>
+                <a:sym typeface="Wingdings" panose="05000000000000000000" pitchFamily="2" charset="2"/>
+              </a:rPr>
+              <a:t> </a:t>
+            </a:r>
+            <a:r>
+              <a:rPr lang="en-US" dirty="0">
+                <a:latin typeface="Open Sans" panose="020B0606030504020204" pitchFamily="34" charset="0"/>
+                <a:ea typeface="Open Sans" panose="020B0606030504020204" pitchFamily="34" charset="0"/>
+                <a:cs typeface="Open Sans" panose="020B0606030504020204" pitchFamily="34" charset="0"/>
+                <a:sym typeface="Wingdings" panose="05000000000000000000" pitchFamily="2" charset="2"/>
+              </a:rPr>
+              <a:t>For some of these exercises, we will find </a:t>
+            </a:r>
+            <a:r>
+              <a:rPr lang="en-US" b="1" dirty="0">
+                <a:latin typeface="Open Sans" panose="020B0606030504020204" pitchFamily="34" charset="0"/>
+                <a:ea typeface="Open Sans" panose="020B0606030504020204" pitchFamily="34" charset="0"/>
+                <a:cs typeface="Open Sans" panose="020B0606030504020204" pitchFamily="34" charset="0"/>
+                <a:sym typeface="Wingdings" panose="05000000000000000000" pitchFamily="2" charset="2"/>
+              </a:rPr>
+              <a:t>two solutions</a:t>
+            </a:r>
+            <a:r>
+              <a:rPr lang="en-US" dirty="0">
+                <a:latin typeface="Open Sans" panose="020B0606030504020204" pitchFamily="34" charset="0"/>
+                <a:ea typeface="Open Sans" panose="020B0606030504020204" pitchFamily="34" charset="0"/>
+                <a:cs typeface="Open Sans" panose="020B0606030504020204" pitchFamily="34" charset="0"/>
+                <a:sym typeface="Wingdings" panose="05000000000000000000" pitchFamily="2" charset="2"/>
+              </a:rPr>
+              <a:t>. First, we will be using </a:t>
+            </a:r>
+            <a:r>
+              <a:rPr lang="en-US" b="1" dirty="0">
+                <a:latin typeface="Open Sans" panose="020B0606030504020204" pitchFamily="34" charset="0"/>
+                <a:ea typeface="Open Sans" panose="020B0606030504020204" pitchFamily="34" charset="0"/>
+                <a:cs typeface="Open Sans" panose="020B0606030504020204" pitchFamily="34" charset="0"/>
+                <a:sym typeface="Wingdings" panose="05000000000000000000" pitchFamily="2" charset="2"/>
+              </a:rPr>
+              <a:t>well-established libraries and tools</a:t>
+            </a:r>
+            <a:r>
+              <a:rPr lang="en-US" dirty="0">
+                <a:latin typeface="Open Sans" panose="020B0606030504020204" pitchFamily="34" charset="0"/>
+                <a:ea typeface="Open Sans" panose="020B0606030504020204" pitchFamily="34" charset="0"/>
+                <a:cs typeface="Open Sans" panose="020B0606030504020204" pitchFamily="34" charset="0"/>
+                <a:sym typeface="Wingdings" panose="05000000000000000000" pitchFamily="2" charset="2"/>
+              </a:rPr>
+              <a:t> (e.g., NLTK and spaCy). Then we are going to implement solutions in </a:t>
+            </a:r>
+            <a:r>
+              <a:rPr lang="en-US" b="1" dirty="0">
+                <a:latin typeface="Open Sans" panose="020B0606030504020204" pitchFamily="34" charset="0"/>
+                <a:ea typeface="Open Sans" panose="020B0606030504020204" pitchFamily="34" charset="0"/>
+                <a:cs typeface="Open Sans" panose="020B0606030504020204" pitchFamily="34" charset="0"/>
+                <a:sym typeface="Wingdings" panose="05000000000000000000" pitchFamily="2" charset="2"/>
+              </a:rPr>
+              <a:t>plain (more-or-less) Python</a:t>
+            </a:r>
+            <a:r>
+              <a:rPr lang="en-US" dirty="0">
+                <a:latin typeface="Open Sans" panose="020B0606030504020204" pitchFamily="34" charset="0"/>
+                <a:ea typeface="Open Sans" panose="020B0606030504020204" pitchFamily="34" charset="0"/>
+                <a:cs typeface="Open Sans" panose="020B0606030504020204" pitchFamily="34" charset="0"/>
+                <a:sym typeface="Wingdings" panose="05000000000000000000" pitchFamily="2" charset="2"/>
+              </a:rPr>
+              <a:t> in order to understand how these things work under the hood.</a:t>
+            </a:r>
+            <a:endParaRPr lang="en-US" dirty="0">
+              <a:latin typeface="Open Sans" panose="020B0606030504020204" pitchFamily="34" charset="0"/>
+              <a:ea typeface="Open Sans" panose="020B0606030504020204" pitchFamily="34" charset="0"/>
+              <a:cs typeface="Open Sans" panose="020B0606030504020204" pitchFamily="34" charset="0"/>
+            </a:endParaRPr>
+          </a:p>
+        </p:txBody>
+      </p:sp>
+    </p:spTree>
+    <p:extLst>
+      <p:ext uri="{BB962C8B-B14F-4D97-AF65-F5344CB8AC3E}">
+        <p14:creationId xmlns:p14="http://schemas.microsoft.com/office/powerpoint/2010/main" val="1715051546"/>
+      </p:ext>
+    </p:extLst>
+  </p:cSld>
+  <p:clrMapOvr>
+    <a:masterClrMapping/>
+  </p:clrMapOvr>
+</p:sld>
+</file>
+
+<file path=ppt/slides/slide30.xml><?xml version="1.0" encoding="utf-8"?>
+<p:sld xmlns:a="http://schemas.openxmlformats.org/drawingml/2006/main" xmlns:r="http://schemas.openxmlformats.org/officeDocument/2006/relationships" xmlns:p="http://schemas.openxmlformats.org/presentationml/2006/main">
+  <p:cSld>
+    <p:spTree>
+      <p:nvGrpSpPr>
+        <p:cNvPr id="1" name=""/>
+        <p:cNvGrpSpPr/>
+        <p:nvPr/>
+      </p:nvGrpSpPr>
+      <p:grpSpPr>
+        <a:xfrm>
+          <a:off x="0" y="0"/>
+          <a:ext cx="0" cy="0"/>
+          <a:chOff x="0" y="0"/>
+          <a:chExt cx="0" cy="0"/>
+        </a:xfrm>
+      </p:grpSpPr>
+      <p:sp>
+        <p:nvSpPr>
+          <p:cNvPr id="2" name="Titel 1">
+            <a:extLst>
+              <a:ext uri="{FF2B5EF4-FFF2-40B4-BE49-F238E27FC236}">
+                <a16:creationId xmlns:a16="http://schemas.microsoft.com/office/drawing/2014/main" id="{248DB162-3A84-41EE-BA83-B24329E9B7B3}"/>
+              </a:ext>
+            </a:extLst>
+          </p:cNvPr>
+          <p:cNvSpPr>
+            <a:spLocks noGrp="1"/>
+          </p:cNvSpPr>
+          <p:nvPr>
+            <p:ph type="title"/>
+          </p:nvPr>
+        </p:nvSpPr>
+        <p:spPr/>
+        <p:txBody>
+          <a:bodyPr/>
+          <a:lstStyle/>
+          <a:p>
+            <a:r>
+              <a:rPr lang="en-US" dirty="0">
+                <a:latin typeface="Open Sans" panose="020B0606030504020204" pitchFamily="34" charset="0"/>
+                <a:ea typeface="Open Sans" panose="020B0606030504020204" pitchFamily="34" charset="0"/>
+                <a:cs typeface="Open Sans" panose="020B0606030504020204" pitchFamily="34" charset="0"/>
+              </a:rPr>
               <a:t>Exercise 16 – Web Scraping</a:t>
             </a:r>
           </a:p>
@@ -28317,7 +28143,7 @@
 </p:sld>
 </file>
 
-<file path=ppt/slides/slide33.xml><?xml version="1.0" encoding="utf-8"?>
+<file path=ppt/slides/slide31.xml><?xml version="1.0" encoding="utf-8"?>
 <p:sld xmlns:a="http://schemas.openxmlformats.org/drawingml/2006/main" xmlns:r="http://schemas.openxmlformats.org/officeDocument/2006/relationships" xmlns:p="http://schemas.openxmlformats.org/presentationml/2006/main">
   <p:cSld>
     <p:spTree>
@@ -29506,7 +29332,7 @@
 </p:sld>
 </file>
 
-<file path=ppt/slides/slide34.xml><?xml version="1.0" encoding="utf-8"?>
+<file path=ppt/slides/slide32.xml><?xml version="1.0" encoding="utf-8"?>
 <p:sld xmlns:a="http://schemas.openxmlformats.org/drawingml/2006/main" xmlns:r="http://schemas.openxmlformats.org/officeDocument/2006/relationships" xmlns:p="http://schemas.openxmlformats.org/presentationml/2006/main">
   <p:cSld>
     <p:spTree>
@@ -29827,7 +29653,7 @@
 </p:sld>
 </file>
 
-<file path=ppt/slides/slide35.xml><?xml version="1.0" encoding="utf-8"?>
+<file path=ppt/slides/slide33.xml><?xml version="1.0" encoding="utf-8"?>
 <p:sld xmlns:a="http://schemas.openxmlformats.org/drawingml/2006/main" xmlns:r="http://schemas.openxmlformats.org/officeDocument/2006/relationships" xmlns:p="http://schemas.openxmlformats.org/presentationml/2006/main">
   <p:cSld>
     <p:spTree>
@@ -30254,7 +30080,7 @@
 </p:sld>
 </file>
 
-<file path=ppt/slides/slide36.xml><?xml version="1.0" encoding="utf-8"?>
+<file path=ppt/slides/slide34.xml><?xml version="1.0" encoding="utf-8"?>
 <p:sld xmlns:a="http://schemas.openxmlformats.org/drawingml/2006/main" xmlns:r="http://schemas.openxmlformats.org/officeDocument/2006/relationships" xmlns:p="http://schemas.openxmlformats.org/presentationml/2006/main">
   <p:cSld>
     <p:spTree>
